--- a/Org/Semester 2/Abgabedokumente/HerzSimul_PowerPoint_Presentation.pptx
+++ b/Org/Semester 2/Abgabedokumente/HerzSimul_PowerPoint_Presentation.pptx
@@ -6,7 +6,7 @@
     <p:sldMasterId id="2147483663" r:id="rId2"/>
   </p:sldMasterIdLst>
   <p:notesMasterIdLst>
-    <p:notesMasterId r:id="rId17"/>
+    <p:notesMasterId r:id="rId18"/>
   </p:notesMasterIdLst>
   <p:sldIdLst>
     <p:sldId id="256" r:id="rId6"/>
@@ -20,6 +20,7 @@
     <p:sldId id="264" r:id="rId14"/>
     <p:sldId id="265" r:id="rId15"/>
     <p:sldId id="266" r:id="rId16"/>
+    <p:sldId id="267" r:id="rId17"/>
   </p:sldIdLst>
   <p:sldSz cx="12192000" cy="6858000"/>
   <p:notesSz cx="6858000" cy="9144000"/>
@@ -145,7 +146,7 @@
       </p:grpSpPr>
       <p:sp>
         <p:nvSpPr>
-          <p:cNvPr id="1231379021" name="Kopfzeilenplatzhalter 1"/>
+          <p:cNvPr id="233448083" name="Kopfzeilenplatzhalter 1"/>
           <p:cNvSpPr>
             <a:spLocks noGrp="1"/>
           </p:cNvSpPr>
@@ -179,7 +180,7 @@
       </p:sp>
       <p:sp>
         <p:nvSpPr>
-          <p:cNvPr id="1852100208" name="Datumsplatzhalter 2"/>
+          <p:cNvPr id="1758424610" name="Datumsplatzhalter 2"/>
           <p:cNvSpPr>
             <a:spLocks noGrp="1"/>
           </p:cNvSpPr>
@@ -217,7 +218,7 @@
       </p:sp>
       <p:sp>
         <p:nvSpPr>
-          <p:cNvPr id="1148275462" name="Folienbildplatzhalter 3"/>
+          <p:cNvPr id="535236247" name="Folienbildplatzhalter 3"/>
           <p:cNvSpPr>
             <a:spLocks noChangeAspect="1" noGrp="1" noRot="1"/>
           </p:cNvSpPr>
@@ -253,7 +254,7 @@
       </p:sp>
       <p:sp>
         <p:nvSpPr>
-          <p:cNvPr id="1308460087" name="Notizenplatzhalter 4"/>
+          <p:cNvPr id="413308346" name="Notizenplatzhalter 4"/>
           <p:cNvSpPr>
             <a:spLocks noGrp="1"/>
           </p:cNvSpPr>
@@ -327,7 +328,7 @@
       </p:sp>
       <p:sp>
         <p:nvSpPr>
-          <p:cNvPr id="752741010" name="Fußzeilenplatzhalter 5"/>
+          <p:cNvPr id="51839003" name="Fußzeilenplatzhalter 5"/>
           <p:cNvSpPr>
             <a:spLocks noGrp="1"/>
           </p:cNvSpPr>
@@ -361,7 +362,7 @@
       </p:sp>
       <p:sp>
         <p:nvSpPr>
-          <p:cNvPr id="277180878" name="Foliennummernplatzhalter 6"/>
+          <p:cNvPr id="1458363547" name="Foliennummernplatzhalter 6"/>
           <p:cNvSpPr>
             <a:spLocks noGrp="1"/>
           </p:cNvSpPr>
@@ -514,7 +515,7 @@
       </p:grpSpPr>
       <p:sp>
         <p:nvSpPr>
-          <p:cNvPr id="1888132236" name="Folienbildplatzhalter 1"/>
+          <p:cNvPr id="1859380820" name="Folienbildplatzhalter 1"/>
           <p:cNvSpPr>
             <a:spLocks noChangeAspect="1" noGrp="1" noRot="1"/>
           </p:cNvSpPr>
@@ -526,7 +527,7 @@
       </p:sp>
       <p:sp>
         <p:nvSpPr>
-          <p:cNvPr id="376624975" name="Notizenplatzhalter 2"/>
+          <p:cNvPr id="743023204" name="Notizenplatzhalter 2"/>
           <p:cNvSpPr>
             <a:spLocks noGrp="1"/>
           </p:cNvSpPr>
@@ -548,7 +549,7 @@
       </p:sp>
       <p:sp>
         <p:nvSpPr>
-          <p:cNvPr id="1619627075" name="Foliennummernplatzhalter 3"/>
+          <p:cNvPr id="2138100761" name="Foliennummernplatzhalter 3"/>
           <p:cNvSpPr>
             <a:spLocks noGrp="1"/>
           </p:cNvSpPr>
@@ -599,7 +600,7 @@
       </p:grpSpPr>
       <p:sp>
         <p:nvSpPr>
-          <p:cNvPr id="2" name="Slide Image Placeholder 1"/>
+          <p:cNvPr id="609193610" name="Slide Image Placeholder 1"/>
           <p:cNvSpPr>
             <a:spLocks noChangeAspect="1" noGrp="1" noRot="1"/>
           </p:cNvSpPr>
@@ -611,7 +612,7 @@
       </p:sp>
       <p:sp>
         <p:nvSpPr>
-          <p:cNvPr id="3" name="Notes Placeholder 2"/>
+          <p:cNvPr id="441230389" name="Notes Placeholder 2"/>
           <p:cNvSpPr>
             <a:spLocks noGrp="1"/>
           </p:cNvSpPr>
@@ -633,7 +634,7 @@
       </p:sp>
       <p:sp>
         <p:nvSpPr>
-          <p:cNvPr id="4" name="Slide Number Placeholder 3"/>
+          <p:cNvPr id="640710305" name="Slide Number Placeholder 3"/>
           <p:cNvSpPr>
             <a:spLocks noGrp="1"/>
           </p:cNvSpPr>
@@ -684,7 +685,7 @@
       </p:grpSpPr>
       <p:sp>
         <p:nvSpPr>
-          <p:cNvPr id="1832381244" name="Folienbildplatzhalter 1"/>
+          <p:cNvPr id="240385511" name="Slide Image Placeholder 1"/>
           <p:cNvSpPr>
             <a:spLocks noChangeAspect="1" noGrp="1" noRot="1"/>
           </p:cNvSpPr>
@@ -696,7 +697,92 @@
       </p:sp>
       <p:sp>
         <p:nvSpPr>
-          <p:cNvPr id="1579570545" name="Notizenplatzhalter 2"/>
+          <p:cNvPr id="1803357550" name="Notes Placeholder 2"/>
+          <p:cNvSpPr>
+            <a:spLocks noGrp="1"/>
+          </p:cNvSpPr>
+          <p:nvPr>
+            <p:ph type="body" idx="1"/>
+          </p:nvPr>
+        </p:nvSpPr>
+        <p:spPr bwMode="auto"/>
+        <p:txBody>
+          <a:bodyPr/>
+          <a:lstStyle/>
+          <a:p>
+            <a:pPr>
+              <a:defRPr/>
+            </a:pPr>
+            <a:endParaRPr/>
+          </a:p>
+        </p:txBody>
+      </p:sp>
+      <p:sp>
+        <p:nvSpPr>
+          <p:cNvPr id="258774293" name="Slide Number Placeholder 3"/>
+          <p:cNvSpPr>
+            <a:spLocks noGrp="1"/>
+          </p:cNvSpPr>
+          <p:nvPr>
+            <p:ph type="sldNum" sz="quarter" idx="10"/>
+          </p:nvPr>
+        </p:nvSpPr>
+        <p:spPr bwMode="auto"/>
+        <p:txBody>
+          <a:bodyPr/>
+          <a:lstStyle/>
+          <a:p>
+            <a:pPr>
+              <a:defRPr/>
+            </a:pPr>
+            <a:fld id="{AA61B575-0380-22E9-F610-73ADC3CECA74}" type="slidenum">
+              <a:rPr/>
+              <a:t/>
+            </a:fld>
+            <a:endParaRPr/>
+          </a:p>
+        </p:txBody>
+      </p:sp>
+    </p:spTree>
+  </p:cSld>
+  <p:clrMapOvr>
+    <a:masterClrMapping/>
+  </p:clrMapOvr>
+</p:notes>
+</file>
+
+<file path=ppt/notesSlides/notesSlide12.xml><?xml version="1.0" encoding="utf-8"?>
+<p:notes xmlns:a="http://schemas.openxmlformats.org/drawingml/2006/main" xmlns:r="http://schemas.openxmlformats.org/officeDocument/2006/relationships" xmlns:p="http://schemas.openxmlformats.org/presentationml/2006/main" xmlns:m="http://schemas.openxmlformats.org/officeDocument/2006/math" xmlns:w="http://schemas.openxmlformats.org/wordprocessingml/2006/main">
+  <p:cSld name="">
+    <p:spTree>
+      <p:nvGrpSpPr>
+        <p:cNvPr id="1" name=""/>
+        <p:cNvGrpSpPr/>
+        <p:nvPr/>
+      </p:nvGrpSpPr>
+      <p:grpSpPr bwMode="auto">
+        <a:xfrm>
+          <a:off x="0" y="0"/>
+          <a:ext cx="0" cy="0"/>
+          <a:chOff x="0" y="0"/>
+          <a:chExt cx="0" cy="0"/>
+        </a:xfrm>
+      </p:grpSpPr>
+      <p:sp>
+        <p:nvSpPr>
+          <p:cNvPr id="672734121" name="Folienbildplatzhalter 1"/>
+          <p:cNvSpPr>
+            <a:spLocks noChangeAspect="1" noGrp="1" noRot="1"/>
+          </p:cNvSpPr>
+          <p:nvPr>
+            <p:ph type="sldImg"/>
+          </p:nvPr>
+        </p:nvSpPr>
+        <p:spPr bwMode="auto"/>
+      </p:sp>
+      <p:sp>
+        <p:nvSpPr>
+          <p:cNvPr id="701580893" name="Notizenplatzhalter 2"/>
           <p:cNvSpPr>
             <a:spLocks noGrp="1"/>
           </p:cNvSpPr>
@@ -735,7 +821,7 @@
       </p:sp>
       <p:sp>
         <p:nvSpPr>
-          <p:cNvPr id="1313046166" name="Foliennummernplatzhalter 3"/>
+          <p:cNvPr id="658817011" name="Foliennummernplatzhalter 3"/>
           <p:cNvSpPr>
             <a:spLocks noGrp="1"/>
           </p:cNvSpPr>
@@ -786,7 +872,7 @@
       </p:grpSpPr>
       <p:sp>
         <p:nvSpPr>
-          <p:cNvPr id="1911794821" name="Folienbildplatzhalter 1"/>
+          <p:cNvPr id="1972728130" name="Folienbildplatzhalter 1"/>
           <p:cNvSpPr>
             <a:spLocks noChangeAspect="1" noGrp="1" noRot="1"/>
           </p:cNvSpPr>
@@ -798,7 +884,7 @@
       </p:sp>
       <p:sp>
         <p:nvSpPr>
-          <p:cNvPr id="1702957166" name="Notizenplatzhalter 2"/>
+          <p:cNvPr id="1985833992" name="Notizenplatzhalter 2"/>
           <p:cNvSpPr>
             <a:spLocks noGrp="1"/>
           </p:cNvSpPr>
@@ -820,7 +906,7 @@
       </p:sp>
       <p:sp>
         <p:nvSpPr>
-          <p:cNvPr id="2108833372" name="Foliennummernplatzhalter 3"/>
+          <p:cNvPr id="195227448" name="Foliennummernplatzhalter 3"/>
           <p:cNvSpPr>
             <a:spLocks noGrp="1"/>
           </p:cNvSpPr>
@@ -871,7 +957,7 @@
       </p:grpSpPr>
       <p:sp>
         <p:nvSpPr>
-          <p:cNvPr id="455071994" name="Folienbildplatzhalter 1"/>
+          <p:cNvPr id="643575164" name="Folienbildplatzhalter 1"/>
           <p:cNvSpPr>
             <a:spLocks noChangeAspect="1" noGrp="1" noRot="1"/>
           </p:cNvSpPr>
@@ -883,7 +969,7 @@
       </p:sp>
       <p:sp>
         <p:nvSpPr>
-          <p:cNvPr id="1541688946" name="Notizenplatzhalter 2"/>
+          <p:cNvPr id="400469913" name="Notizenplatzhalter 2"/>
           <p:cNvSpPr>
             <a:spLocks noGrp="1"/>
           </p:cNvSpPr>
@@ -905,7 +991,7 @@
       </p:sp>
       <p:sp>
         <p:nvSpPr>
-          <p:cNvPr id="1317769075" name="Foliennummernplatzhalter 3"/>
+          <p:cNvPr id="38449204" name="Foliennummernplatzhalter 3"/>
           <p:cNvSpPr>
             <a:spLocks noGrp="1"/>
           </p:cNvSpPr>
@@ -956,7 +1042,7 @@
       </p:grpSpPr>
       <p:sp>
         <p:nvSpPr>
-          <p:cNvPr id="496912737" name="Folienbildplatzhalter 1"/>
+          <p:cNvPr id="1532526142" name="Folienbildplatzhalter 1"/>
           <p:cNvSpPr>
             <a:spLocks noChangeAspect="1" noGrp="1" noRot="1"/>
           </p:cNvSpPr>
@@ -968,7 +1054,7 @@
       </p:sp>
       <p:sp>
         <p:nvSpPr>
-          <p:cNvPr id="583744932" name="Notizenplatzhalter 2"/>
+          <p:cNvPr id="1406227360" name="Notizenplatzhalter 2"/>
           <p:cNvSpPr>
             <a:spLocks noGrp="1"/>
           </p:cNvSpPr>
@@ -990,7 +1076,7 @@
       </p:sp>
       <p:sp>
         <p:nvSpPr>
-          <p:cNvPr id="1270957122" name="Foliennummernplatzhalter 3"/>
+          <p:cNvPr id="102842521" name="Foliennummernplatzhalter 3"/>
           <p:cNvSpPr>
             <a:spLocks noGrp="1"/>
           </p:cNvSpPr>
@@ -1041,7 +1127,7 @@
       </p:grpSpPr>
       <p:sp>
         <p:nvSpPr>
-          <p:cNvPr id="838736422" name="Folienbildplatzhalter 1"/>
+          <p:cNvPr id="1302111422" name="Folienbildplatzhalter 1"/>
           <p:cNvSpPr>
             <a:spLocks noChangeAspect="1" noGrp="1" noRot="1"/>
           </p:cNvSpPr>
@@ -1053,7 +1139,7 @@
       </p:sp>
       <p:sp>
         <p:nvSpPr>
-          <p:cNvPr id="336526854" name="Notizenplatzhalter 2"/>
+          <p:cNvPr id="589296753" name="Notizenplatzhalter 2"/>
           <p:cNvSpPr>
             <a:spLocks noGrp="1"/>
           </p:cNvSpPr>
@@ -1075,7 +1161,7 @@
       </p:sp>
       <p:sp>
         <p:nvSpPr>
-          <p:cNvPr id="1034500679" name="Foliennummernplatzhalter 3"/>
+          <p:cNvPr id="685276636" name="Foliennummernplatzhalter 3"/>
           <p:cNvSpPr>
             <a:spLocks noGrp="1"/>
           </p:cNvSpPr>
@@ -1126,7 +1212,7 @@
       </p:grpSpPr>
       <p:sp>
         <p:nvSpPr>
-          <p:cNvPr id="1568513614" name="Folienbildplatzhalter 1"/>
+          <p:cNvPr id="1124451082" name="Folienbildplatzhalter 1"/>
           <p:cNvSpPr>
             <a:spLocks noChangeAspect="1" noGrp="1" noRot="1"/>
           </p:cNvSpPr>
@@ -1138,7 +1224,7 @@
       </p:sp>
       <p:sp>
         <p:nvSpPr>
-          <p:cNvPr id="1513381843" name="Notizenplatzhalter 2"/>
+          <p:cNvPr id="949421634" name="Notizenplatzhalter 2"/>
           <p:cNvSpPr>
             <a:spLocks noGrp="1"/>
           </p:cNvSpPr>
@@ -1160,7 +1246,7 @@
       </p:sp>
       <p:sp>
         <p:nvSpPr>
-          <p:cNvPr id="1685727740" name="Foliennummernplatzhalter 3"/>
+          <p:cNvPr id="234705637" name="Foliennummernplatzhalter 3"/>
           <p:cNvSpPr>
             <a:spLocks noGrp="1"/>
           </p:cNvSpPr>
@@ -1211,7 +1297,7 @@
       </p:grpSpPr>
       <p:sp>
         <p:nvSpPr>
-          <p:cNvPr id="1457598144" name="Folienbildplatzhalter 1"/>
+          <p:cNvPr id="659955886" name="Folienbildplatzhalter 1"/>
           <p:cNvSpPr>
             <a:spLocks noChangeAspect="1" noGrp="1" noRot="1"/>
           </p:cNvSpPr>
@@ -1223,7 +1309,7 @@
       </p:sp>
       <p:sp>
         <p:nvSpPr>
-          <p:cNvPr id="738540093" name="Notizenplatzhalter 2"/>
+          <p:cNvPr id="206275272" name="Notizenplatzhalter 2"/>
           <p:cNvSpPr>
             <a:spLocks noGrp="1"/>
           </p:cNvSpPr>
@@ -1245,7 +1331,7 @@
       </p:sp>
       <p:sp>
         <p:nvSpPr>
-          <p:cNvPr id="1353554120" name="Foliennummernplatzhalter 3"/>
+          <p:cNvPr id="544911769" name="Foliennummernplatzhalter 3"/>
           <p:cNvSpPr>
             <a:spLocks noGrp="1"/>
           </p:cNvSpPr>
@@ -1296,7 +1382,7 @@
       </p:grpSpPr>
       <p:sp>
         <p:nvSpPr>
-          <p:cNvPr id="1446688732" name="Folienbildplatzhalter 1"/>
+          <p:cNvPr id="1432329432" name="Folienbildplatzhalter 1"/>
           <p:cNvSpPr>
             <a:spLocks noChangeAspect="1" noGrp="1" noRot="1"/>
           </p:cNvSpPr>
@@ -1308,7 +1394,7 @@
       </p:sp>
       <p:sp>
         <p:nvSpPr>
-          <p:cNvPr id="488802529" name="Notizenplatzhalter 2"/>
+          <p:cNvPr id="1731529130" name="Notizenplatzhalter 2"/>
           <p:cNvSpPr>
             <a:spLocks noGrp="1"/>
           </p:cNvSpPr>
@@ -1330,7 +1416,7 @@
       </p:sp>
       <p:sp>
         <p:nvSpPr>
-          <p:cNvPr id="1920381961" name="Foliennummernplatzhalter 3"/>
+          <p:cNvPr id="1090981214" name="Foliennummernplatzhalter 3"/>
           <p:cNvSpPr>
             <a:spLocks noGrp="1"/>
           </p:cNvSpPr>
@@ -1381,7 +1467,7 @@
       </p:grpSpPr>
       <p:sp>
         <p:nvSpPr>
-          <p:cNvPr id="1026643737" name="Folienbildplatzhalter 1"/>
+          <p:cNvPr id="1060612941" name="Folienbildplatzhalter 1"/>
           <p:cNvSpPr>
             <a:spLocks noChangeAspect="1" noGrp="1" noRot="1"/>
           </p:cNvSpPr>
@@ -1393,7 +1479,7 @@
       </p:sp>
       <p:sp>
         <p:nvSpPr>
-          <p:cNvPr id="1492054206" name="Notizenplatzhalter 2"/>
+          <p:cNvPr id="744065602" name="Notizenplatzhalter 2"/>
           <p:cNvSpPr>
             <a:spLocks noGrp="1"/>
           </p:cNvSpPr>
@@ -1415,7 +1501,7 @@
       </p:sp>
       <p:sp>
         <p:nvSpPr>
-          <p:cNvPr id="2005856794" name="Foliennummernplatzhalter 3"/>
+          <p:cNvPr id="1890323570" name="Foliennummernplatzhalter 3"/>
           <p:cNvSpPr>
             <a:spLocks noGrp="1"/>
           </p:cNvSpPr>
@@ -1466,7 +1552,7 @@
       </p:grpSpPr>
       <p:sp>
         <p:nvSpPr>
-          <p:cNvPr id="2088771202" name="Titel 1"/>
+          <p:cNvPr id="815105629" name="Titel 1"/>
           <p:cNvSpPr>
             <a:spLocks noGrp="1"/>
           </p:cNvSpPr>
@@ -1501,7 +1587,7 @@
       </p:sp>
       <p:sp>
         <p:nvSpPr>
-          <p:cNvPr id="1663502351" name="Untertitel 2"/>
+          <p:cNvPr id="1250459965" name="Untertitel 2"/>
           <p:cNvSpPr>
             <a:spLocks noGrp="1"/>
           </p:cNvSpPr>
@@ -1569,7 +1655,7 @@
       </p:sp>
       <p:sp>
         <p:nvSpPr>
-          <p:cNvPr id="770044824" name="Datumsplatzhalter 3"/>
+          <p:cNvPr id="1945524377" name="Datumsplatzhalter 3"/>
           <p:cNvSpPr>
             <a:spLocks noGrp="1"/>
           </p:cNvSpPr>
@@ -1595,7 +1681,7 @@
       </p:sp>
       <p:sp>
         <p:nvSpPr>
-          <p:cNvPr id="1504163370" name="Fußzeilenplatzhalter 4"/>
+          <p:cNvPr id="1016592574" name="Fußzeilenplatzhalter 4"/>
           <p:cNvSpPr>
             <a:spLocks noGrp="1"/>
           </p:cNvSpPr>
@@ -1621,7 +1707,7 @@
       </p:sp>
       <p:sp>
         <p:nvSpPr>
-          <p:cNvPr id="791553219" name="Foliennummernplatzhalter 5"/>
+          <p:cNvPr id="562162068" name="Foliennummernplatzhalter 5"/>
           <p:cNvSpPr>
             <a:spLocks noGrp="1"/>
           </p:cNvSpPr>
@@ -1672,7 +1758,7 @@
       </p:grpSpPr>
       <p:sp>
         <p:nvSpPr>
-          <p:cNvPr id="1107283257" name="Titel 1"/>
+          <p:cNvPr id="266942046" name="Titel 1"/>
           <p:cNvSpPr>
             <a:spLocks noGrp="1"/>
           </p:cNvSpPr>
@@ -1707,7 +1793,7 @@
       </p:sp>
       <p:sp>
         <p:nvSpPr>
-          <p:cNvPr id="1104259113" name="Inhaltsplatzhalter 2"/>
+          <p:cNvPr id="165763612" name="Inhaltsplatzhalter 2"/>
           <p:cNvSpPr>
             <a:spLocks noGrp="1"/>
           </p:cNvSpPr>
@@ -1806,7 +1892,7 @@
       </p:sp>
       <p:sp>
         <p:nvSpPr>
-          <p:cNvPr id="741398837" name="Textplatzhalter 3"/>
+          <p:cNvPr id="165685986" name="Textplatzhalter 3"/>
           <p:cNvSpPr>
             <a:spLocks noGrp="1"/>
           </p:cNvSpPr>
@@ -1874,7 +1960,7 @@
       </p:sp>
       <p:sp>
         <p:nvSpPr>
-          <p:cNvPr id="717608001" name="Datumsplatzhalter 4"/>
+          <p:cNvPr id="498299314" name="Datumsplatzhalter 4"/>
           <p:cNvSpPr>
             <a:spLocks noGrp="1"/>
           </p:cNvSpPr>
@@ -1900,7 +1986,7 @@
       </p:sp>
       <p:sp>
         <p:nvSpPr>
-          <p:cNvPr id="577823051" name="Fußzeilenplatzhalter 5"/>
+          <p:cNvPr id="934901270" name="Fußzeilenplatzhalter 5"/>
           <p:cNvSpPr>
             <a:spLocks noGrp="1"/>
           </p:cNvSpPr>
@@ -1926,7 +2012,7 @@
       </p:sp>
       <p:sp>
         <p:nvSpPr>
-          <p:cNvPr id="1555697717" name="Foliennummernplatzhalter 6"/>
+          <p:cNvPr id="672460731" name="Foliennummernplatzhalter 6"/>
           <p:cNvSpPr>
             <a:spLocks noGrp="1"/>
           </p:cNvSpPr>
@@ -1977,7 +2063,7 @@
       </p:grpSpPr>
       <p:sp>
         <p:nvSpPr>
-          <p:cNvPr id="441571722" name="Titel 1"/>
+          <p:cNvPr id="1402804137" name="Titel 1"/>
           <p:cNvSpPr>
             <a:spLocks noGrp="1"/>
           </p:cNvSpPr>
@@ -2012,7 +2098,7 @@
       </p:sp>
       <p:sp>
         <p:nvSpPr>
-          <p:cNvPr id="1180294835" name="Bildplatzhalter 2"/>
+          <p:cNvPr id="1653901448" name="Bildplatzhalter 2"/>
           <p:cNvSpPr>
             <a:spLocks noGrp="1"/>
           </p:cNvSpPr>
@@ -2076,7 +2162,7 @@
       </p:sp>
       <p:sp>
         <p:nvSpPr>
-          <p:cNvPr id="142871841" name="Textplatzhalter 3"/>
+          <p:cNvPr id="1504619737" name="Textplatzhalter 3"/>
           <p:cNvSpPr>
             <a:spLocks noGrp="1"/>
           </p:cNvSpPr>
@@ -2144,7 +2230,7 @@
       </p:sp>
       <p:sp>
         <p:nvSpPr>
-          <p:cNvPr id="1564713089" name="Datumsplatzhalter 4"/>
+          <p:cNvPr id="1342299275" name="Datumsplatzhalter 4"/>
           <p:cNvSpPr>
             <a:spLocks noGrp="1"/>
           </p:cNvSpPr>
@@ -2170,7 +2256,7 @@
       </p:sp>
       <p:sp>
         <p:nvSpPr>
-          <p:cNvPr id="972740975" name="Fußzeilenplatzhalter 5"/>
+          <p:cNvPr id="369195942" name="Fußzeilenplatzhalter 5"/>
           <p:cNvSpPr>
             <a:spLocks noGrp="1"/>
           </p:cNvSpPr>
@@ -2196,7 +2282,7 @@
       </p:sp>
       <p:sp>
         <p:nvSpPr>
-          <p:cNvPr id="1599285926" name="Foliennummernplatzhalter 6"/>
+          <p:cNvPr id="79586167" name="Foliennummernplatzhalter 6"/>
           <p:cNvSpPr>
             <a:spLocks noGrp="1"/>
           </p:cNvSpPr>
@@ -2247,7 +2333,7 @@
       </p:grpSpPr>
       <p:sp>
         <p:nvSpPr>
-          <p:cNvPr id="298554753" name="Titel 1"/>
+          <p:cNvPr id="229662413" name="Titel 1"/>
           <p:cNvSpPr>
             <a:spLocks noGrp="1"/>
           </p:cNvSpPr>
@@ -2273,7 +2359,7 @@
       </p:sp>
       <p:sp>
         <p:nvSpPr>
-          <p:cNvPr id="871576804" name="Vertikaler Textplatzhalter 2"/>
+          <p:cNvPr id="1314352301" name="Vertikaler Textplatzhalter 2"/>
           <p:cNvSpPr>
             <a:spLocks noGrp="1"/>
           </p:cNvSpPr>
@@ -2339,7 +2425,7 @@
       </p:sp>
       <p:sp>
         <p:nvSpPr>
-          <p:cNvPr id="316463871" name="Datumsplatzhalter 3"/>
+          <p:cNvPr id="1922376420" name="Datumsplatzhalter 3"/>
           <p:cNvSpPr>
             <a:spLocks noGrp="1"/>
           </p:cNvSpPr>
@@ -2365,7 +2451,7 @@
       </p:sp>
       <p:sp>
         <p:nvSpPr>
-          <p:cNvPr id="2138397640" name="Fußzeilenplatzhalter 4"/>
+          <p:cNvPr id="1837905038" name="Fußzeilenplatzhalter 4"/>
           <p:cNvSpPr>
             <a:spLocks noGrp="1"/>
           </p:cNvSpPr>
@@ -2391,7 +2477,7 @@
       </p:sp>
       <p:sp>
         <p:nvSpPr>
-          <p:cNvPr id="1273881330" name="Foliennummernplatzhalter 5"/>
+          <p:cNvPr id="205108028" name="Foliennummernplatzhalter 5"/>
           <p:cNvSpPr>
             <a:spLocks noGrp="1"/>
           </p:cNvSpPr>
@@ -2442,7 +2528,7 @@
       </p:grpSpPr>
       <p:sp>
         <p:nvSpPr>
-          <p:cNvPr id="1950337466" name="Vertikaler Titel 1"/>
+          <p:cNvPr id="813386646" name="Vertikaler Titel 1"/>
           <p:cNvSpPr>
             <a:spLocks noGrp="1"/>
           </p:cNvSpPr>
@@ -2473,7 +2559,7 @@
       </p:sp>
       <p:sp>
         <p:nvSpPr>
-          <p:cNvPr id="998088034" name="Vertikaler Textplatzhalter 2"/>
+          <p:cNvPr id="867730011" name="Vertikaler Textplatzhalter 2"/>
           <p:cNvSpPr>
             <a:spLocks noGrp="1"/>
           </p:cNvSpPr>
@@ -2544,7 +2630,7 @@
       </p:sp>
       <p:sp>
         <p:nvSpPr>
-          <p:cNvPr id="221388929" name="Datumsplatzhalter 3"/>
+          <p:cNvPr id="641003154" name="Datumsplatzhalter 3"/>
           <p:cNvSpPr>
             <a:spLocks noGrp="1"/>
           </p:cNvSpPr>
@@ -2570,7 +2656,7 @@
       </p:sp>
       <p:sp>
         <p:nvSpPr>
-          <p:cNvPr id="930155237" name="Fußzeilenplatzhalter 4"/>
+          <p:cNvPr id="569389649" name="Fußzeilenplatzhalter 4"/>
           <p:cNvSpPr>
             <a:spLocks noGrp="1"/>
           </p:cNvSpPr>
@@ -2596,7 +2682,7 @@
       </p:sp>
       <p:sp>
         <p:nvSpPr>
-          <p:cNvPr id="1394796847" name="Foliennummernplatzhalter 5"/>
+          <p:cNvPr id="647365715" name="Foliennummernplatzhalter 5"/>
           <p:cNvSpPr>
             <a:spLocks noGrp="1"/>
           </p:cNvSpPr>
@@ -2647,7 +2733,7 @@
       </p:grpSpPr>
       <p:sp>
         <p:nvSpPr>
-          <p:cNvPr id="1728462184" name="Titel 1"/>
+          <p:cNvPr id="1668232361" name="Titel 1"/>
           <p:cNvSpPr>
             <a:spLocks noGrp="1"/>
           </p:cNvSpPr>
@@ -2673,7 +2759,7 @@
       </p:sp>
       <p:sp>
         <p:nvSpPr>
-          <p:cNvPr id="1118701663" name="Datumsplatzhalter 2"/>
+          <p:cNvPr id="894075357" name="Datumsplatzhalter 2"/>
           <p:cNvSpPr>
             <a:spLocks noGrp="1"/>
           </p:cNvSpPr>
@@ -2699,7 +2785,7 @@
       </p:sp>
       <p:sp>
         <p:nvSpPr>
-          <p:cNvPr id="1688862868" name="Fußzeilenplatzhalter 3"/>
+          <p:cNvPr id="1487416558" name="Fußzeilenplatzhalter 3"/>
           <p:cNvSpPr>
             <a:spLocks noGrp="1"/>
           </p:cNvSpPr>
@@ -2725,7 +2811,7 @@
       </p:sp>
       <p:sp>
         <p:nvSpPr>
-          <p:cNvPr id="1438657871" name="Foliennummernplatzhalter 4"/>
+          <p:cNvPr id="1285953404" name="Foliennummernplatzhalter 4"/>
           <p:cNvSpPr>
             <a:spLocks noGrp="1"/>
           </p:cNvSpPr>
@@ -2776,7 +2862,7 @@
       </p:grpSpPr>
       <p:sp>
         <p:nvSpPr>
-          <p:cNvPr id="1873550768" name="Titel 1"/>
+          <p:cNvPr id="672293529" name="Titel 1"/>
           <p:cNvSpPr>
             <a:spLocks noGrp="1"/>
           </p:cNvSpPr>
@@ -2811,7 +2897,7 @@
       </p:sp>
       <p:sp>
         <p:nvSpPr>
-          <p:cNvPr id="192277526" name="Untertitel 2"/>
+          <p:cNvPr id="607765919" name="Untertitel 2"/>
           <p:cNvSpPr>
             <a:spLocks noGrp="1"/>
           </p:cNvSpPr>
@@ -2879,7 +2965,7 @@
       </p:sp>
       <p:sp>
         <p:nvSpPr>
-          <p:cNvPr id="118683013" name="Datumsplatzhalter 3"/>
+          <p:cNvPr id="2029252699" name="Datumsplatzhalter 3"/>
           <p:cNvSpPr>
             <a:spLocks noGrp="1"/>
           </p:cNvSpPr>
@@ -2905,7 +2991,7 @@
       </p:sp>
       <p:sp>
         <p:nvSpPr>
-          <p:cNvPr id="1985369531" name="Fußzeilenplatzhalter 4"/>
+          <p:cNvPr id="1057840242" name="Fußzeilenplatzhalter 4"/>
           <p:cNvSpPr>
             <a:spLocks noGrp="1"/>
           </p:cNvSpPr>
@@ -2931,7 +3017,7 @@
       </p:sp>
       <p:sp>
         <p:nvSpPr>
-          <p:cNvPr id="1118666195" name="Foliennummernplatzhalter 5"/>
+          <p:cNvPr id="931933729" name="Foliennummernplatzhalter 5"/>
           <p:cNvSpPr>
             <a:spLocks noGrp="1"/>
           </p:cNvSpPr>
@@ -2982,7 +3068,7 @@
       </p:grpSpPr>
       <p:sp>
         <p:nvSpPr>
-          <p:cNvPr id="676459347" name="Titel 1"/>
+          <p:cNvPr id="1299432800" name="Titel 1"/>
           <p:cNvSpPr>
             <a:spLocks noGrp="1"/>
           </p:cNvSpPr>
@@ -3008,7 +3094,7 @@
       </p:sp>
       <p:sp>
         <p:nvSpPr>
-          <p:cNvPr id="543813932" name="Inhaltsplatzhalter 2"/>
+          <p:cNvPr id="1303719616" name="Inhaltsplatzhalter 2"/>
           <p:cNvSpPr>
             <a:spLocks noGrp="1"/>
           </p:cNvSpPr>
@@ -3074,7 +3160,7 @@
       </p:sp>
       <p:sp>
         <p:nvSpPr>
-          <p:cNvPr id="1112487842" name="Datumsplatzhalter 3"/>
+          <p:cNvPr id="1803889495" name="Datumsplatzhalter 3"/>
           <p:cNvSpPr>
             <a:spLocks noGrp="1"/>
           </p:cNvSpPr>
@@ -3100,7 +3186,7 @@
       </p:sp>
       <p:sp>
         <p:nvSpPr>
-          <p:cNvPr id="812596198" name="Fußzeilenplatzhalter 4"/>
+          <p:cNvPr id="579754443" name="Fußzeilenplatzhalter 4"/>
           <p:cNvSpPr>
             <a:spLocks noGrp="1"/>
           </p:cNvSpPr>
@@ -3126,7 +3212,7 @@
       </p:sp>
       <p:sp>
         <p:nvSpPr>
-          <p:cNvPr id="742754005" name="Foliennummernplatzhalter 5"/>
+          <p:cNvPr id="1830318528" name="Foliennummernplatzhalter 5"/>
           <p:cNvSpPr>
             <a:spLocks noGrp="1"/>
           </p:cNvSpPr>
@@ -3177,7 +3263,7 @@
       </p:grpSpPr>
       <p:sp>
         <p:nvSpPr>
-          <p:cNvPr id="158534906" name="Titel 1"/>
+          <p:cNvPr id="97796852" name="Titel 1"/>
           <p:cNvSpPr>
             <a:spLocks noGrp="1"/>
           </p:cNvSpPr>
@@ -3212,7 +3298,7 @@
       </p:sp>
       <p:sp>
         <p:nvSpPr>
-          <p:cNvPr id="914429276" name="Textplatzhalter 2"/>
+          <p:cNvPr id="304688613" name="Textplatzhalter 2"/>
           <p:cNvSpPr>
             <a:spLocks noGrp="1"/>
           </p:cNvSpPr>
@@ -3334,7 +3420,7 @@
       </p:sp>
       <p:sp>
         <p:nvSpPr>
-          <p:cNvPr id="518213968" name="Datumsplatzhalter 3"/>
+          <p:cNvPr id="1939841898" name="Datumsplatzhalter 3"/>
           <p:cNvSpPr>
             <a:spLocks noGrp="1"/>
           </p:cNvSpPr>
@@ -3360,7 +3446,7 @@
       </p:sp>
       <p:sp>
         <p:nvSpPr>
-          <p:cNvPr id="1390686717" name="Fußzeilenplatzhalter 4"/>
+          <p:cNvPr id="1332966859" name="Fußzeilenplatzhalter 4"/>
           <p:cNvSpPr>
             <a:spLocks noGrp="1"/>
           </p:cNvSpPr>
@@ -3386,7 +3472,7 @@
       </p:sp>
       <p:sp>
         <p:nvSpPr>
-          <p:cNvPr id="1381504134" name="Foliennummernplatzhalter 5"/>
+          <p:cNvPr id="104025853" name="Foliennummernplatzhalter 5"/>
           <p:cNvSpPr>
             <a:spLocks noGrp="1"/>
           </p:cNvSpPr>
@@ -3437,7 +3523,7 @@
       </p:grpSpPr>
       <p:sp>
         <p:nvSpPr>
-          <p:cNvPr id="2044664721" name="Titel 1"/>
+          <p:cNvPr id="1939004083" name="Titel 1"/>
           <p:cNvSpPr>
             <a:spLocks noGrp="1"/>
           </p:cNvSpPr>
@@ -3463,7 +3549,7 @@
       </p:sp>
       <p:sp>
         <p:nvSpPr>
-          <p:cNvPr id="1594581533" name="Inhaltsplatzhalter 2"/>
+          <p:cNvPr id="469313396" name="Inhaltsplatzhalter 2"/>
           <p:cNvSpPr>
             <a:spLocks noGrp="1"/>
           </p:cNvSpPr>
@@ -3534,7 +3620,7 @@
       </p:sp>
       <p:sp>
         <p:nvSpPr>
-          <p:cNvPr id="987929649" name="Inhaltsplatzhalter 3"/>
+          <p:cNvPr id="960588658" name="Inhaltsplatzhalter 3"/>
           <p:cNvSpPr>
             <a:spLocks noGrp="1"/>
           </p:cNvSpPr>
@@ -3605,7 +3691,7 @@
       </p:sp>
       <p:sp>
         <p:nvSpPr>
-          <p:cNvPr id="1947972304" name="Datumsplatzhalter 4"/>
+          <p:cNvPr id="472300963" name="Datumsplatzhalter 4"/>
           <p:cNvSpPr>
             <a:spLocks noGrp="1"/>
           </p:cNvSpPr>
@@ -3631,7 +3717,7 @@
       </p:sp>
       <p:sp>
         <p:nvSpPr>
-          <p:cNvPr id="144215742" name="Fußzeilenplatzhalter 5"/>
+          <p:cNvPr id="1403553186" name="Fußzeilenplatzhalter 5"/>
           <p:cNvSpPr>
             <a:spLocks noGrp="1"/>
           </p:cNvSpPr>
@@ -3657,7 +3743,7 @@
       </p:sp>
       <p:sp>
         <p:nvSpPr>
-          <p:cNvPr id="1218281724" name="Foliennummernplatzhalter 6"/>
+          <p:cNvPr id="810842038" name="Foliennummernplatzhalter 6"/>
           <p:cNvSpPr>
             <a:spLocks noGrp="1"/>
           </p:cNvSpPr>
@@ -3708,7 +3794,7 @@
       </p:grpSpPr>
       <p:sp>
         <p:nvSpPr>
-          <p:cNvPr id="2062955092" name="Titel 1"/>
+          <p:cNvPr id="1159059222" name="Titel 1"/>
           <p:cNvSpPr>
             <a:spLocks noGrp="1"/>
           </p:cNvSpPr>
@@ -3739,7 +3825,7 @@
       </p:sp>
       <p:sp>
         <p:nvSpPr>
-          <p:cNvPr id="1911545124" name="Textplatzhalter 2"/>
+          <p:cNvPr id="405346701" name="Textplatzhalter 2"/>
           <p:cNvSpPr>
             <a:spLocks noGrp="1"/>
           </p:cNvSpPr>
@@ -3807,7 +3893,7 @@
       </p:sp>
       <p:sp>
         <p:nvSpPr>
-          <p:cNvPr id="94171687" name="Inhaltsplatzhalter 3"/>
+          <p:cNvPr id="437968611" name="Inhaltsplatzhalter 3"/>
           <p:cNvSpPr>
             <a:spLocks noGrp="1"/>
           </p:cNvSpPr>
@@ -3878,7 +3964,7 @@
       </p:sp>
       <p:sp>
         <p:nvSpPr>
-          <p:cNvPr id="1982847967" name="Textplatzhalter 4"/>
+          <p:cNvPr id="1177170782" name="Textplatzhalter 4"/>
           <p:cNvSpPr>
             <a:spLocks noGrp="1"/>
           </p:cNvSpPr>
@@ -3946,7 +4032,7 @@
       </p:sp>
       <p:sp>
         <p:nvSpPr>
-          <p:cNvPr id="1266100755" name="Inhaltsplatzhalter 5"/>
+          <p:cNvPr id="684691988" name="Inhaltsplatzhalter 5"/>
           <p:cNvSpPr>
             <a:spLocks noGrp="1"/>
           </p:cNvSpPr>
@@ -4017,7 +4103,7 @@
       </p:sp>
       <p:sp>
         <p:nvSpPr>
-          <p:cNvPr id="2147394065" name="Datumsplatzhalter 6"/>
+          <p:cNvPr id="315765165" name="Datumsplatzhalter 6"/>
           <p:cNvSpPr>
             <a:spLocks noGrp="1"/>
           </p:cNvSpPr>
@@ -4043,7 +4129,7 @@
       </p:sp>
       <p:sp>
         <p:nvSpPr>
-          <p:cNvPr id="1404874226" name="Fußzeilenplatzhalter 7"/>
+          <p:cNvPr id="2094590845" name="Fußzeilenplatzhalter 7"/>
           <p:cNvSpPr>
             <a:spLocks noGrp="1"/>
           </p:cNvSpPr>
@@ -4069,7 +4155,7 @@
       </p:sp>
       <p:sp>
         <p:nvSpPr>
-          <p:cNvPr id="464383791" name="Foliennummernplatzhalter 8"/>
+          <p:cNvPr id="1766438963" name="Foliennummernplatzhalter 8"/>
           <p:cNvSpPr>
             <a:spLocks noGrp="1"/>
           </p:cNvSpPr>
@@ -4120,7 +4206,7 @@
       </p:grpSpPr>
       <p:sp>
         <p:nvSpPr>
-          <p:cNvPr id="547337455" name="Titel 1"/>
+          <p:cNvPr id="1496700763" name="Titel 1"/>
           <p:cNvSpPr>
             <a:spLocks noGrp="1"/>
           </p:cNvSpPr>
@@ -4146,7 +4232,7 @@
       </p:sp>
       <p:sp>
         <p:nvSpPr>
-          <p:cNvPr id="1844748879" name="Datumsplatzhalter 2"/>
+          <p:cNvPr id="863805254" name="Datumsplatzhalter 2"/>
           <p:cNvSpPr>
             <a:spLocks noGrp="1"/>
           </p:cNvSpPr>
@@ -4172,7 +4258,7 @@
       </p:sp>
       <p:sp>
         <p:nvSpPr>
-          <p:cNvPr id="2109887802" name="Fußzeilenplatzhalter 3"/>
+          <p:cNvPr id="2100151852" name="Fußzeilenplatzhalter 3"/>
           <p:cNvSpPr>
             <a:spLocks noGrp="1"/>
           </p:cNvSpPr>
@@ -4198,7 +4284,7 @@
       </p:sp>
       <p:sp>
         <p:nvSpPr>
-          <p:cNvPr id="1886543623" name="Foliennummernplatzhalter 4"/>
+          <p:cNvPr id="1062333379" name="Foliennummernplatzhalter 4"/>
           <p:cNvSpPr>
             <a:spLocks noGrp="1"/>
           </p:cNvSpPr>
@@ -4249,7 +4335,7 @@
       </p:grpSpPr>
       <p:sp>
         <p:nvSpPr>
-          <p:cNvPr id="495980407" name="Titel 1"/>
+          <p:cNvPr id="486084079" name="Titel 1"/>
           <p:cNvSpPr>
             <a:spLocks noGrp="1"/>
           </p:cNvSpPr>
@@ -4275,7 +4361,7 @@
       </p:sp>
       <p:sp>
         <p:nvSpPr>
-          <p:cNvPr id="992129873" name="Datumsplatzhalter 2"/>
+          <p:cNvPr id="2034821989" name="Datumsplatzhalter 2"/>
           <p:cNvSpPr>
             <a:spLocks noGrp="1"/>
           </p:cNvSpPr>
@@ -4301,7 +4387,7 @@
       </p:sp>
       <p:sp>
         <p:nvSpPr>
-          <p:cNvPr id="773055137" name="Fußzeilenplatzhalter 3"/>
+          <p:cNvPr id="1619386074" name="Fußzeilenplatzhalter 3"/>
           <p:cNvSpPr>
             <a:spLocks noGrp="1"/>
           </p:cNvSpPr>
@@ -4327,7 +4413,7 @@
       </p:sp>
       <p:sp>
         <p:nvSpPr>
-          <p:cNvPr id="518016401" name="Foliennummernplatzhalter 4"/>
+          <p:cNvPr id="533668609" name="Foliennummernplatzhalter 4"/>
           <p:cNvSpPr>
             <a:spLocks noGrp="1"/>
           </p:cNvSpPr>
@@ -4378,7 +4464,7 @@
       </p:grpSpPr>
       <p:sp>
         <p:nvSpPr>
-          <p:cNvPr id="1552467958" name="Datumsplatzhalter 1"/>
+          <p:cNvPr id="1149775093" name="Datumsplatzhalter 1"/>
           <p:cNvSpPr>
             <a:spLocks noGrp="1"/>
           </p:cNvSpPr>
@@ -4404,7 +4490,7 @@
       </p:sp>
       <p:sp>
         <p:nvSpPr>
-          <p:cNvPr id="1161926381" name="Fußzeilenplatzhalter 2"/>
+          <p:cNvPr id="319356066" name="Fußzeilenplatzhalter 2"/>
           <p:cNvSpPr>
             <a:spLocks noGrp="1"/>
           </p:cNvSpPr>
@@ -4430,7 +4516,7 @@
       </p:sp>
       <p:sp>
         <p:nvSpPr>
-          <p:cNvPr id="76716022" name="Foliennummernplatzhalter 3"/>
+          <p:cNvPr id="1895101885" name="Foliennummernplatzhalter 3"/>
           <p:cNvSpPr>
             <a:spLocks noGrp="1"/>
           </p:cNvSpPr>
@@ -4481,7 +4567,7 @@
       </p:grpSpPr>
       <p:sp>
         <p:nvSpPr>
-          <p:cNvPr id="944712786" name="Titel 1"/>
+          <p:cNvPr id="2002577656" name="Titel 1"/>
           <p:cNvSpPr>
             <a:spLocks noGrp="1"/>
           </p:cNvSpPr>
@@ -4516,7 +4602,7 @@
       </p:sp>
       <p:sp>
         <p:nvSpPr>
-          <p:cNvPr id="768922339" name="Inhaltsplatzhalter 2"/>
+          <p:cNvPr id="914575878" name="Inhaltsplatzhalter 2"/>
           <p:cNvSpPr>
             <a:spLocks noGrp="1"/>
           </p:cNvSpPr>
@@ -4615,7 +4701,7 @@
       </p:sp>
       <p:sp>
         <p:nvSpPr>
-          <p:cNvPr id="189216438" name="Textplatzhalter 3"/>
+          <p:cNvPr id="709772506" name="Textplatzhalter 3"/>
           <p:cNvSpPr>
             <a:spLocks noGrp="1"/>
           </p:cNvSpPr>
@@ -4683,7 +4769,7 @@
       </p:sp>
       <p:sp>
         <p:nvSpPr>
-          <p:cNvPr id="1795863623" name="Datumsplatzhalter 4"/>
+          <p:cNvPr id="409847542" name="Datumsplatzhalter 4"/>
           <p:cNvSpPr>
             <a:spLocks noGrp="1"/>
           </p:cNvSpPr>
@@ -4709,7 +4795,7 @@
       </p:sp>
       <p:sp>
         <p:nvSpPr>
-          <p:cNvPr id="938009994" name="Fußzeilenplatzhalter 5"/>
+          <p:cNvPr id="694556974" name="Fußzeilenplatzhalter 5"/>
           <p:cNvSpPr>
             <a:spLocks noGrp="1"/>
           </p:cNvSpPr>
@@ -4735,7 +4821,7 @@
       </p:sp>
       <p:sp>
         <p:nvSpPr>
-          <p:cNvPr id="1531827796" name="Foliennummernplatzhalter 6"/>
+          <p:cNvPr id="1135435407" name="Foliennummernplatzhalter 6"/>
           <p:cNvSpPr>
             <a:spLocks noGrp="1"/>
           </p:cNvSpPr>
@@ -4786,7 +4872,7 @@
       </p:grpSpPr>
       <p:sp>
         <p:nvSpPr>
-          <p:cNvPr id="1717727763" name="Titel 1"/>
+          <p:cNvPr id="1120169831" name="Titel 1"/>
           <p:cNvSpPr>
             <a:spLocks noGrp="1"/>
           </p:cNvSpPr>
@@ -4821,7 +4907,7 @@
       </p:sp>
       <p:sp>
         <p:nvSpPr>
-          <p:cNvPr id="560018546" name="Bildplatzhalter 2"/>
+          <p:cNvPr id="2124489547" name="Bildplatzhalter 2"/>
           <p:cNvSpPr>
             <a:spLocks noGrp="1"/>
           </p:cNvSpPr>
@@ -4885,7 +4971,7 @@
       </p:sp>
       <p:sp>
         <p:nvSpPr>
-          <p:cNvPr id="801970375" name="Textplatzhalter 3"/>
+          <p:cNvPr id="124608938" name="Textplatzhalter 3"/>
           <p:cNvSpPr>
             <a:spLocks noGrp="1"/>
           </p:cNvSpPr>
@@ -4953,7 +5039,7 @@
       </p:sp>
       <p:sp>
         <p:nvSpPr>
-          <p:cNvPr id="2122537429" name="Datumsplatzhalter 4"/>
+          <p:cNvPr id="2040724122" name="Datumsplatzhalter 4"/>
           <p:cNvSpPr>
             <a:spLocks noGrp="1"/>
           </p:cNvSpPr>
@@ -4979,7 +5065,7 @@
       </p:sp>
       <p:sp>
         <p:nvSpPr>
-          <p:cNvPr id="1629638493" name="Fußzeilenplatzhalter 5"/>
+          <p:cNvPr id="1307260912" name="Fußzeilenplatzhalter 5"/>
           <p:cNvSpPr>
             <a:spLocks noGrp="1"/>
           </p:cNvSpPr>
@@ -5005,7 +5091,7 @@
       </p:sp>
       <p:sp>
         <p:nvSpPr>
-          <p:cNvPr id="949721003" name="Foliennummernplatzhalter 6"/>
+          <p:cNvPr id="861303782" name="Foliennummernplatzhalter 6"/>
           <p:cNvSpPr>
             <a:spLocks noGrp="1"/>
           </p:cNvSpPr>
@@ -5056,7 +5142,7 @@
       </p:grpSpPr>
       <p:sp>
         <p:nvSpPr>
-          <p:cNvPr id="228690567" name="Titel 1"/>
+          <p:cNvPr id="363893766" name="Titel 1"/>
           <p:cNvSpPr>
             <a:spLocks noGrp="1"/>
           </p:cNvSpPr>
@@ -5082,7 +5168,7 @@
       </p:sp>
       <p:sp>
         <p:nvSpPr>
-          <p:cNvPr id="1175100880" name="Vertikaler Textplatzhalter 2"/>
+          <p:cNvPr id="591843921" name="Vertikaler Textplatzhalter 2"/>
           <p:cNvSpPr>
             <a:spLocks noGrp="1"/>
           </p:cNvSpPr>
@@ -5148,7 +5234,7 @@
       </p:sp>
       <p:sp>
         <p:nvSpPr>
-          <p:cNvPr id="1929167482" name="Datumsplatzhalter 3"/>
+          <p:cNvPr id="1176510748" name="Datumsplatzhalter 3"/>
           <p:cNvSpPr>
             <a:spLocks noGrp="1"/>
           </p:cNvSpPr>
@@ -5174,7 +5260,7 @@
       </p:sp>
       <p:sp>
         <p:nvSpPr>
-          <p:cNvPr id="1539314021" name="Fußzeilenplatzhalter 4"/>
+          <p:cNvPr id="1770168727" name="Fußzeilenplatzhalter 4"/>
           <p:cNvSpPr>
             <a:spLocks noGrp="1"/>
           </p:cNvSpPr>
@@ -5200,7 +5286,7 @@
       </p:sp>
       <p:sp>
         <p:nvSpPr>
-          <p:cNvPr id="139618469" name="Foliennummernplatzhalter 5"/>
+          <p:cNvPr id="1946695365" name="Foliennummernplatzhalter 5"/>
           <p:cNvSpPr>
             <a:spLocks noGrp="1"/>
           </p:cNvSpPr>
@@ -5251,7 +5337,7 @@
       </p:grpSpPr>
       <p:sp>
         <p:nvSpPr>
-          <p:cNvPr id="672683121" name="Vertikaler Titel 1"/>
+          <p:cNvPr id="1744980346" name="Vertikaler Titel 1"/>
           <p:cNvSpPr>
             <a:spLocks noGrp="1"/>
           </p:cNvSpPr>
@@ -5282,7 +5368,7 @@
       </p:sp>
       <p:sp>
         <p:nvSpPr>
-          <p:cNvPr id="156187582" name="Vertikaler Textplatzhalter 2"/>
+          <p:cNvPr id="1463412206" name="Vertikaler Textplatzhalter 2"/>
           <p:cNvSpPr>
             <a:spLocks noGrp="1"/>
           </p:cNvSpPr>
@@ -5353,7 +5439,7 @@
       </p:sp>
       <p:sp>
         <p:nvSpPr>
-          <p:cNvPr id="118634943" name="Datumsplatzhalter 3"/>
+          <p:cNvPr id="2108902373" name="Datumsplatzhalter 3"/>
           <p:cNvSpPr>
             <a:spLocks noGrp="1"/>
           </p:cNvSpPr>
@@ -5379,7 +5465,7 @@
       </p:sp>
       <p:sp>
         <p:nvSpPr>
-          <p:cNvPr id="1897390688" name="Fußzeilenplatzhalter 4"/>
+          <p:cNvPr id="735058769" name="Fußzeilenplatzhalter 4"/>
           <p:cNvSpPr>
             <a:spLocks noGrp="1"/>
           </p:cNvSpPr>
@@ -5405,7 +5491,7 @@
       </p:sp>
       <p:sp>
         <p:nvSpPr>
-          <p:cNvPr id="472536240" name="Foliennummernplatzhalter 5"/>
+          <p:cNvPr id="412844945" name="Foliennummernplatzhalter 5"/>
           <p:cNvSpPr>
             <a:spLocks noGrp="1"/>
           </p:cNvSpPr>
@@ -5456,7 +5542,7 @@
       </p:grpSpPr>
       <p:sp>
         <p:nvSpPr>
-          <p:cNvPr id="794665725" name="Titel 1"/>
+          <p:cNvPr id="1430332046" name="Titel 1"/>
           <p:cNvSpPr>
             <a:spLocks noGrp="1"/>
           </p:cNvSpPr>
@@ -5482,7 +5568,7 @@
       </p:sp>
       <p:sp>
         <p:nvSpPr>
-          <p:cNvPr id="1025467754" name="Datumsplatzhalter 2"/>
+          <p:cNvPr id="1977897700" name="Datumsplatzhalter 2"/>
           <p:cNvSpPr>
             <a:spLocks noGrp="1"/>
           </p:cNvSpPr>
@@ -5508,7 +5594,7 @@
       </p:sp>
       <p:sp>
         <p:nvSpPr>
-          <p:cNvPr id="309090538" name="Fußzeilenplatzhalter 3"/>
+          <p:cNvPr id="1705408037" name="Fußzeilenplatzhalter 3"/>
           <p:cNvSpPr>
             <a:spLocks noGrp="1"/>
           </p:cNvSpPr>
@@ -5534,7 +5620,7 @@
       </p:sp>
       <p:sp>
         <p:nvSpPr>
-          <p:cNvPr id="1449634783" name="Foliennummernplatzhalter 4"/>
+          <p:cNvPr id="832509056" name="Foliennummernplatzhalter 4"/>
           <p:cNvSpPr>
             <a:spLocks noGrp="1"/>
           </p:cNvSpPr>
@@ -5585,7 +5671,7 @@
       </p:grpSpPr>
       <p:sp>
         <p:nvSpPr>
-          <p:cNvPr id="63106286" name="Titel 1"/>
+          <p:cNvPr id="344354193" name="Titel 1"/>
           <p:cNvSpPr>
             <a:spLocks noGrp="1"/>
           </p:cNvSpPr>
@@ -5611,7 +5697,7 @@
       </p:sp>
       <p:sp>
         <p:nvSpPr>
-          <p:cNvPr id="1379925434" name="Inhaltsplatzhalter 2"/>
+          <p:cNvPr id="264404284" name="Inhaltsplatzhalter 2"/>
           <p:cNvSpPr>
             <a:spLocks noGrp="1"/>
           </p:cNvSpPr>
@@ -5677,7 +5763,7 @@
       </p:sp>
       <p:sp>
         <p:nvSpPr>
-          <p:cNvPr id="811304663" name="Datumsplatzhalter 3"/>
+          <p:cNvPr id="1437655559" name="Datumsplatzhalter 3"/>
           <p:cNvSpPr>
             <a:spLocks noGrp="1"/>
           </p:cNvSpPr>
@@ -5703,7 +5789,7 @@
       </p:sp>
       <p:sp>
         <p:nvSpPr>
-          <p:cNvPr id="1465738320" name="Fußzeilenplatzhalter 4"/>
+          <p:cNvPr id="1771744843" name="Fußzeilenplatzhalter 4"/>
           <p:cNvSpPr>
             <a:spLocks noGrp="1"/>
           </p:cNvSpPr>
@@ -5729,7 +5815,7 @@
       </p:sp>
       <p:sp>
         <p:nvSpPr>
-          <p:cNvPr id="1043244237" name="Foliennummernplatzhalter 5"/>
+          <p:cNvPr id="1930618030" name="Foliennummernplatzhalter 5"/>
           <p:cNvSpPr>
             <a:spLocks noGrp="1"/>
           </p:cNvSpPr>
@@ -5780,7 +5866,7 @@
       </p:grpSpPr>
       <p:sp>
         <p:nvSpPr>
-          <p:cNvPr id="581028915" name="Titel 1"/>
+          <p:cNvPr id="1346451113" name="Titel 1"/>
           <p:cNvSpPr>
             <a:spLocks noGrp="1"/>
           </p:cNvSpPr>
@@ -5815,7 +5901,7 @@
       </p:sp>
       <p:sp>
         <p:nvSpPr>
-          <p:cNvPr id="1261487333" name="Textplatzhalter 2"/>
+          <p:cNvPr id="472536246" name="Textplatzhalter 2"/>
           <p:cNvSpPr>
             <a:spLocks noGrp="1"/>
           </p:cNvSpPr>
@@ -5937,7 +6023,7 @@
       </p:sp>
       <p:sp>
         <p:nvSpPr>
-          <p:cNvPr id="1983552501" name="Datumsplatzhalter 3"/>
+          <p:cNvPr id="729817965" name="Datumsplatzhalter 3"/>
           <p:cNvSpPr>
             <a:spLocks noGrp="1"/>
           </p:cNvSpPr>
@@ -5963,7 +6049,7 @@
       </p:sp>
       <p:sp>
         <p:nvSpPr>
-          <p:cNvPr id="812232911" name="Fußzeilenplatzhalter 4"/>
+          <p:cNvPr id="657151533" name="Fußzeilenplatzhalter 4"/>
           <p:cNvSpPr>
             <a:spLocks noGrp="1"/>
           </p:cNvSpPr>
@@ -5989,7 +6075,7 @@
       </p:sp>
       <p:sp>
         <p:nvSpPr>
-          <p:cNvPr id="1154673158" name="Foliennummernplatzhalter 5"/>
+          <p:cNvPr id="412412689" name="Foliennummernplatzhalter 5"/>
           <p:cNvSpPr>
             <a:spLocks noGrp="1"/>
           </p:cNvSpPr>
@@ -6040,7 +6126,7 @@
       </p:grpSpPr>
       <p:sp>
         <p:nvSpPr>
-          <p:cNvPr id="597568535" name="Titel 1"/>
+          <p:cNvPr id="751465009" name="Titel 1"/>
           <p:cNvSpPr>
             <a:spLocks noGrp="1"/>
           </p:cNvSpPr>
@@ -6066,7 +6152,7 @@
       </p:sp>
       <p:sp>
         <p:nvSpPr>
-          <p:cNvPr id="802764617" name="Inhaltsplatzhalter 2"/>
+          <p:cNvPr id="897397033" name="Inhaltsplatzhalter 2"/>
           <p:cNvSpPr>
             <a:spLocks noGrp="1"/>
           </p:cNvSpPr>
@@ -6137,7 +6223,7 @@
       </p:sp>
       <p:sp>
         <p:nvSpPr>
-          <p:cNvPr id="2075712903" name="Inhaltsplatzhalter 3"/>
+          <p:cNvPr id="1861163345" name="Inhaltsplatzhalter 3"/>
           <p:cNvSpPr>
             <a:spLocks noGrp="1"/>
           </p:cNvSpPr>
@@ -6208,7 +6294,7 @@
       </p:sp>
       <p:sp>
         <p:nvSpPr>
-          <p:cNvPr id="196055739" name="Datumsplatzhalter 4"/>
+          <p:cNvPr id="178571368" name="Datumsplatzhalter 4"/>
           <p:cNvSpPr>
             <a:spLocks noGrp="1"/>
           </p:cNvSpPr>
@@ -6234,7 +6320,7 @@
       </p:sp>
       <p:sp>
         <p:nvSpPr>
-          <p:cNvPr id="1120355399" name="Fußzeilenplatzhalter 5"/>
+          <p:cNvPr id="1769703473" name="Fußzeilenplatzhalter 5"/>
           <p:cNvSpPr>
             <a:spLocks noGrp="1"/>
           </p:cNvSpPr>
@@ -6260,7 +6346,7 @@
       </p:sp>
       <p:sp>
         <p:nvSpPr>
-          <p:cNvPr id="921030345" name="Foliennummernplatzhalter 6"/>
+          <p:cNvPr id="1596279957" name="Foliennummernplatzhalter 6"/>
           <p:cNvSpPr>
             <a:spLocks noGrp="1"/>
           </p:cNvSpPr>
@@ -6311,7 +6397,7 @@
       </p:grpSpPr>
       <p:sp>
         <p:nvSpPr>
-          <p:cNvPr id="440156336" name="Titel 1"/>
+          <p:cNvPr id="639142342" name="Titel 1"/>
           <p:cNvSpPr>
             <a:spLocks noGrp="1"/>
           </p:cNvSpPr>
@@ -6342,7 +6428,7 @@
       </p:sp>
       <p:sp>
         <p:nvSpPr>
-          <p:cNvPr id="1329783820" name="Textplatzhalter 2"/>
+          <p:cNvPr id="760729694" name="Textplatzhalter 2"/>
           <p:cNvSpPr>
             <a:spLocks noGrp="1"/>
           </p:cNvSpPr>
@@ -6410,7 +6496,7 @@
       </p:sp>
       <p:sp>
         <p:nvSpPr>
-          <p:cNvPr id="326420214" name="Inhaltsplatzhalter 3"/>
+          <p:cNvPr id="770575212" name="Inhaltsplatzhalter 3"/>
           <p:cNvSpPr>
             <a:spLocks noGrp="1"/>
           </p:cNvSpPr>
@@ -6481,7 +6567,7 @@
       </p:sp>
       <p:sp>
         <p:nvSpPr>
-          <p:cNvPr id="28391500" name="Textplatzhalter 4"/>
+          <p:cNvPr id="405756512" name="Textplatzhalter 4"/>
           <p:cNvSpPr>
             <a:spLocks noGrp="1"/>
           </p:cNvSpPr>
@@ -6549,7 +6635,7 @@
       </p:sp>
       <p:sp>
         <p:nvSpPr>
-          <p:cNvPr id="772360607" name="Inhaltsplatzhalter 5"/>
+          <p:cNvPr id="149777842" name="Inhaltsplatzhalter 5"/>
           <p:cNvSpPr>
             <a:spLocks noGrp="1"/>
           </p:cNvSpPr>
@@ -6620,7 +6706,7 @@
       </p:sp>
       <p:sp>
         <p:nvSpPr>
-          <p:cNvPr id="74425508" name="Datumsplatzhalter 6"/>
+          <p:cNvPr id="906640713" name="Datumsplatzhalter 6"/>
           <p:cNvSpPr>
             <a:spLocks noGrp="1"/>
           </p:cNvSpPr>
@@ -6646,7 +6732,7 @@
       </p:sp>
       <p:sp>
         <p:nvSpPr>
-          <p:cNvPr id="1343887159" name="Fußzeilenplatzhalter 7"/>
+          <p:cNvPr id="925302334" name="Fußzeilenplatzhalter 7"/>
           <p:cNvSpPr>
             <a:spLocks noGrp="1"/>
           </p:cNvSpPr>
@@ -6672,7 +6758,7 @@
       </p:sp>
       <p:sp>
         <p:nvSpPr>
-          <p:cNvPr id="4649631" name="Foliennummernplatzhalter 8"/>
+          <p:cNvPr id="1936405901" name="Foliennummernplatzhalter 8"/>
           <p:cNvSpPr>
             <a:spLocks noGrp="1"/>
           </p:cNvSpPr>
@@ -6723,7 +6809,7 @@
       </p:grpSpPr>
       <p:sp>
         <p:nvSpPr>
-          <p:cNvPr id="612695856" name="Titel 1"/>
+          <p:cNvPr id="1462403333" name="Titel 1"/>
           <p:cNvSpPr>
             <a:spLocks noGrp="1"/>
           </p:cNvSpPr>
@@ -6749,7 +6835,7 @@
       </p:sp>
       <p:sp>
         <p:nvSpPr>
-          <p:cNvPr id="438886619" name="Datumsplatzhalter 2"/>
+          <p:cNvPr id="1528229341" name="Datumsplatzhalter 2"/>
           <p:cNvSpPr>
             <a:spLocks noGrp="1"/>
           </p:cNvSpPr>
@@ -6775,7 +6861,7 @@
       </p:sp>
       <p:sp>
         <p:nvSpPr>
-          <p:cNvPr id="2117173991" name="Fußzeilenplatzhalter 3"/>
+          <p:cNvPr id="722845713" name="Fußzeilenplatzhalter 3"/>
           <p:cNvSpPr>
             <a:spLocks noGrp="1"/>
           </p:cNvSpPr>
@@ -6801,7 +6887,7 @@
       </p:sp>
       <p:sp>
         <p:nvSpPr>
-          <p:cNvPr id="947198734" name="Foliennummernplatzhalter 4"/>
+          <p:cNvPr id="887960483" name="Foliennummernplatzhalter 4"/>
           <p:cNvSpPr>
             <a:spLocks noGrp="1"/>
           </p:cNvSpPr>
@@ -6852,7 +6938,7 @@
       </p:grpSpPr>
       <p:sp>
         <p:nvSpPr>
-          <p:cNvPr id="207203397" name="Datumsplatzhalter 1"/>
+          <p:cNvPr id="1160639934" name="Datumsplatzhalter 1"/>
           <p:cNvSpPr>
             <a:spLocks noGrp="1"/>
           </p:cNvSpPr>
@@ -6878,7 +6964,7 @@
       </p:sp>
       <p:sp>
         <p:nvSpPr>
-          <p:cNvPr id="1405854298" name="Fußzeilenplatzhalter 2"/>
+          <p:cNvPr id="1477719070" name="Fußzeilenplatzhalter 2"/>
           <p:cNvSpPr>
             <a:spLocks noGrp="1"/>
           </p:cNvSpPr>
@@ -6904,7 +6990,7 @@
       </p:sp>
       <p:sp>
         <p:nvSpPr>
-          <p:cNvPr id="215930043" name="Foliennummernplatzhalter 3"/>
+          <p:cNvPr id="568041314" name="Foliennummernplatzhalter 3"/>
           <p:cNvSpPr>
             <a:spLocks noGrp="1"/>
           </p:cNvSpPr>
@@ -6960,7 +7046,7 @@
       </p:grpSpPr>
       <p:sp>
         <p:nvSpPr>
-          <p:cNvPr id="1509490053" name="Titelplatzhalter 1"/>
+          <p:cNvPr id="2055680536" name="Titelplatzhalter 1"/>
           <p:cNvSpPr>
             <a:spLocks noGrp="1"/>
           </p:cNvSpPr>
@@ -6996,7 +7082,7 @@
       </p:sp>
       <p:sp>
         <p:nvSpPr>
-          <p:cNvPr id="2103294239" name="Textplatzhalter 2"/>
+          <p:cNvPr id="1528775765" name="Textplatzhalter 2"/>
           <p:cNvSpPr>
             <a:spLocks noGrp="1"/>
           </p:cNvSpPr>
@@ -7072,7 +7158,7 @@
       </p:sp>
       <p:sp>
         <p:nvSpPr>
-          <p:cNvPr id="1268827681" name="Datumsplatzhalter 3"/>
+          <p:cNvPr id="1058646332" name="Datumsplatzhalter 3"/>
           <p:cNvSpPr>
             <a:spLocks noGrp="1"/>
           </p:cNvSpPr>
@@ -7116,7 +7202,7 @@
       </p:sp>
       <p:sp>
         <p:nvSpPr>
-          <p:cNvPr id="2116747962" name="Fußzeilenplatzhalter 4"/>
+          <p:cNvPr id="1486779916" name="Fußzeilenplatzhalter 4"/>
           <p:cNvSpPr>
             <a:spLocks noGrp="1"/>
           </p:cNvSpPr>
@@ -7160,7 +7246,7 @@
       </p:sp>
       <p:sp>
         <p:nvSpPr>
-          <p:cNvPr id="782186236" name="Foliennummernplatzhalter 5"/>
+          <p:cNvPr id="827739771" name="Foliennummernplatzhalter 5"/>
           <p:cNvSpPr>
             <a:spLocks noGrp="1"/>
           </p:cNvSpPr>
@@ -7529,7 +7615,7 @@
       </p:grpSpPr>
       <p:sp>
         <p:nvSpPr>
-          <p:cNvPr id="1037779507" name="Titelplatzhalter 1"/>
+          <p:cNvPr id="1383000193" name="Titelplatzhalter 1"/>
           <p:cNvSpPr>
             <a:spLocks noGrp="1"/>
           </p:cNvSpPr>
@@ -7565,7 +7651,7 @@
       </p:sp>
       <p:sp>
         <p:nvSpPr>
-          <p:cNvPr id="414919370" name="Textplatzhalter 2"/>
+          <p:cNvPr id="1461479617" name="Textplatzhalter 2"/>
           <p:cNvSpPr>
             <a:spLocks noGrp="1"/>
           </p:cNvSpPr>
@@ -7641,7 +7727,7 @@
       </p:sp>
       <p:sp>
         <p:nvSpPr>
-          <p:cNvPr id="719567337" name="Datumsplatzhalter 3"/>
+          <p:cNvPr id="1881594691" name="Datumsplatzhalter 3"/>
           <p:cNvSpPr>
             <a:spLocks noGrp="1"/>
           </p:cNvSpPr>
@@ -7685,7 +7771,7 @@
       </p:sp>
       <p:sp>
         <p:nvSpPr>
-          <p:cNvPr id="1344980158" name="Fußzeilenplatzhalter 4"/>
+          <p:cNvPr id="1569110282" name="Fußzeilenplatzhalter 4"/>
           <p:cNvSpPr>
             <a:spLocks noGrp="1"/>
           </p:cNvSpPr>
@@ -7729,7 +7815,7 @@
       </p:sp>
       <p:sp>
         <p:nvSpPr>
-          <p:cNvPr id="832873446" name="Foliennummernplatzhalter 5"/>
+          <p:cNvPr id="538627933" name="Foliennummernplatzhalter 5"/>
           <p:cNvSpPr>
             <a:spLocks noGrp="1"/>
           </p:cNvSpPr>
@@ -8090,7 +8176,7 @@
       </p:grpSpPr>
       <p:pic>
         <p:nvPicPr>
-          <p:cNvPr id="590861828" name="Picture 4"/>
+          <p:cNvPr id="939592971" name="Picture 4"/>
           <p:cNvPicPr>
             <a:picLocks noChangeAspect="1"/>
           </p:cNvPicPr>
@@ -8119,7 +8205,7 @@
       </p:pic>
       <p:sp>
         <p:nvSpPr>
-          <p:cNvPr id="1609183788" name="Titel 1"/>
+          <p:cNvPr id="473127151" name="Titel 1"/>
           <p:cNvSpPr>
             <a:spLocks noGrp="1"/>
           </p:cNvSpPr>
@@ -8168,7 +8254,7 @@
       </p:sp>
       <p:sp>
         <p:nvSpPr>
-          <p:cNvPr id="1771497264" name="Untertitel 2"/>
+          <p:cNvPr id="1936277785" name="Untertitel 2"/>
           <p:cNvSpPr>
             <a:spLocks noGrp="1"/>
           </p:cNvSpPr>
@@ -8235,7 +8321,7 @@
       </p:grpSpPr>
       <p:sp>
         <p:nvSpPr>
-          <p:cNvPr id="1552093808" name="Titel 1"/>
+          <p:cNvPr id="486242855" name="Titel 1"/>
           <p:cNvSpPr>
             <a:spLocks noGrp="1"/>
           </p:cNvSpPr>
@@ -8257,7 +8343,7 @@
       </p:sp>
       <p:sp>
         <p:nvSpPr>
-          <p:cNvPr id="1504845874" name="Fußzeilenplatzhalter 3"/>
+          <p:cNvPr id="1230009402" name="Fußzeilenplatzhalter 3"/>
           <p:cNvSpPr>
             <a:spLocks noGrp="1"/>
           </p:cNvSpPr>
@@ -8283,7 +8369,7 @@
       </p:sp>
       <p:sp>
         <p:nvSpPr>
-          <p:cNvPr id="827766604" name="Foliennummernplatzhalter 4"/>
+          <p:cNvPr id="1799340417" name="Foliennummernplatzhalter 4"/>
           <p:cNvSpPr>
             <a:spLocks noGrp="1"/>
           </p:cNvSpPr>
@@ -8309,7 +8395,7 @@
       </p:sp>
       <p:pic>
         <p:nvPicPr>
-          <p:cNvPr id="901096307" name="Picture 3"/>
+          <p:cNvPr id="677629860" name="Picture 3"/>
           <p:cNvPicPr>
             <a:picLocks noChangeAspect="1"/>
           </p:cNvPicPr>
@@ -8369,9 +8455,145 @@
           <a:chExt cx="0" cy="0"/>
         </a:xfrm>
       </p:grpSpPr>
+      <p:sp>
+        <p:nvSpPr>
+          <p:cNvPr id="1233936110" name="Titel 1"/>
+          <p:cNvSpPr>
+            <a:spLocks noGrp="1"/>
+          </p:cNvSpPr>
+          <p:nvPr>
+            <p:ph type="title"/>
+          </p:nvPr>
+        </p:nvSpPr>
+        <p:spPr bwMode="auto"/>
+        <p:txBody>
+          <a:bodyPr/>
+          <a:lstStyle/>
+          <a:p>
+            <a:pPr>
+              <a:defRPr/>
+            </a:pPr>
+            <a:endParaRPr/>
+          </a:p>
+        </p:txBody>
+      </p:sp>
+      <p:sp>
+        <p:nvSpPr>
+          <p:cNvPr id="827410431" name="Fußzeilenplatzhalter 3"/>
+          <p:cNvSpPr>
+            <a:spLocks noGrp="1"/>
+          </p:cNvSpPr>
+          <p:nvPr>
+            <p:ph type="ftr" sz="quarter" idx="11"/>
+          </p:nvPr>
+        </p:nvSpPr>
+        <p:spPr bwMode="auto"/>
+        <p:txBody>
+          <a:bodyPr/>
+          <a:lstStyle/>
+          <a:p>
+            <a:pPr>
+              <a:defRPr/>
+            </a:pPr>
+            <a:r>
+              <a:rPr lang="de-AT"/>
+              <a:t>ITP 2024 Gruppe 23</a:t>
+            </a:r>
+            <a:endParaRPr/>
+          </a:p>
+        </p:txBody>
+      </p:sp>
+      <p:sp>
+        <p:nvSpPr>
+          <p:cNvPr id="1385932776" name="Foliennummernplatzhalter 4"/>
+          <p:cNvSpPr>
+            <a:spLocks noGrp="1"/>
+          </p:cNvSpPr>
+          <p:nvPr>
+            <p:ph type="sldNum" sz="quarter" idx="12"/>
+          </p:nvPr>
+        </p:nvSpPr>
+        <p:spPr bwMode="auto"/>
+        <p:txBody>
+          <a:bodyPr/>
+          <a:lstStyle/>
+          <a:p>
+            <a:pPr>
+              <a:defRPr/>
+            </a:pPr>
+            <a:fld id="{E5D37C54-41A1-140D-CA0C-3FBB37924F19}" type="slidenum">
+              <a:rPr lang="de-AT"/>
+              <a:t/>
+            </a:fld>
+            <a:endParaRPr lang="de-AT"/>
+          </a:p>
+        </p:txBody>
+      </p:sp>
       <p:pic>
         <p:nvPicPr>
-          <p:cNvPr id="904138769" name="Picture 3"/>
+          <p:cNvPr id="1704831815" name="Picture 3"/>
+          <p:cNvPicPr>
+            <a:picLocks noChangeAspect="1"/>
+          </p:cNvPicPr>
+          <p:nvPr/>
+        </p:nvPicPr>
+        <p:blipFill>
+          <a:blip r:embed="rId3">
+            <a:alphaModFix amt="99999"/>
+          </a:blip>
+          <a:stretch/>
+        </p:blipFill>
+        <p:spPr bwMode="auto">
+          <a:xfrm>
+            <a:off x="0" y="-172444"/>
+            <a:ext cx="12191998" cy="7202890"/>
+          </a:xfrm>
+          <a:prstGeom prst="rect">
+            <a:avLst/>
+          </a:prstGeom>
+          <a:effectLst>
+            <a:outerShdw blurRad="50800" dist="50800" dir="5400000" algn="ctr" rotWithShape="0">
+              <a:srgbClr val="000000"/>
+            </a:outerShdw>
+          </a:effectLst>
+        </p:spPr>
+      </p:pic>
+    </p:spTree>
+  </p:cSld>
+  <p:clrMapOvr>
+    <a:masterClrMapping/>
+  </p:clrMapOvr>
+  <mc:AlternateContent xmlns:mc="http://schemas.openxmlformats.org/markup-compatibility/2006">
+    <mc:Choice xmlns:p159="http://schemas.microsoft.com/office/powerpoint/2015/09/main" xmlns:p14="http://schemas.microsoft.com/office/powerpoint/2010/main" Requires="p159">
+      <p:transition p14:dur="2000" advClick="1"/>
+    </mc:Choice>
+    <mc:Fallback>
+      <p:transition advClick="1"/>
+    </mc:Fallback>
+  </mc:AlternateContent>
+</p:sld>
+</file>
+
+<file path=ppt/slides/slide12.xml><?xml version="1.0" encoding="utf-8"?>
+<p:sld xmlns:a="http://schemas.openxmlformats.org/drawingml/2006/main" xmlns:r="http://schemas.openxmlformats.org/officeDocument/2006/relationships" xmlns:p="http://schemas.openxmlformats.org/presentationml/2006/main" xmlns:m="http://schemas.openxmlformats.org/officeDocument/2006/math" xmlns:w="http://schemas.openxmlformats.org/wordprocessingml/2006/main" xmlns:mc="http://schemas.openxmlformats.org/markup-compatibility/2006" showMasterPhAnim="0" showMasterSp="1" show="1">
+  <p:cSld name="">
+    <p:spTree>
+      <p:nvGrpSpPr>
+        <p:cNvPr id="1" name=""/>
+        <p:cNvGrpSpPr/>
+        <p:nvPr/>
+      </p:nvGrpSpPr>
+      <p:grpSpPr bwMode="auto">
+        <a:xfrm>
+          <a:off x="0" y="0"/>
+          <a:ext cx="0" cy="0"/>
+          <a:chOff x="0" y="0"/>
+          <a:chExt cx="0" cy="0"/>
+        </a:xfrm>
+      </p:grpSpPr>
+      <p:pic>
+        <p:nvPicPr>
+          <p:cNvPr id="789931075" name="Picture 3"/>
           <p:cNvPicPr>
             <a:picLocks noChangeAspect="1"/>
           </p:cNvPicPr>
@@ -8400,7 +8622,7 @@
       </p:pic>
       <p:sp>
         <p:nvSpPr>
-          <p:cNvPr id="1741423010" name="Titel 1"/>
+          <p:cNvPr id="1440487491" name="Titel 1"/>
           <p:cNvSpPr>
             <a:spLocks noGrp="1"/>
           </p:cNvSpPr>
@@ -8434,7 +8656,7 @@
       </p:sp>
       <p:sp>
         <p:nvSpPr>
-          <p:cNvPr id="1957320293" name="Untertitel 2"/>
+          <p:cNvPr id="142301595" name="Untertitel 2"/>
           <p:cNvSpPr>
             <a:spLocks noGrp="1"/>
           </p:cNvSpPr>
@@ -8501,7 +8723,7 @@
       </p:grpSpPr>
       <p:sp>
         <p:nvSpPr>
-          <p:cNvPr id="372858003" name="Titel 1"/>
+          <p:cNvPr id="1626964286" name="Titel 1"/>
           <p:cNvSpPr>
             <a:spLocks noGrp="1"/>
           </p:cNvSpPr>
@@ -8527,7 +8749,7 @@
       </p:sp>
       <p:sp>
         <p:nvSpPr>
-          <p:cNvPr id="601495488" name="Inhaltsplatzhalter 2"/>
+          <p:cNvPr id="995401303" name="Inhaltsplatzhalter 2"/>
           <p:cNvSpPr>
             <a:spLocks noGrp="1"/>
           </p:cNvSpPr>
@@ -8643,7 +8865,7 @@
       </p:sp>
       <p:sp>
         <p:nvSpPr>
-          <p:cNvPr id="237383386" name="Fußzeilenplatzhalter 3"/>
+          <p:cNvPr id="360296172" name="Fußzeilenplatzhalter 3"/>
           <p:cNvSpPr>
             <a:spLocks noGrp="1"/>
           </p:cNvSpPr>
@@ -8665,15 +8887,15 @@
             </a:r>
             <a:r>
               <a:rPr lang="de-AT"/>
-              <a:t> 2024/25 Gruppe 16</a:t>
-            </a:r>
-            <a:endParaRPr/>
-          </a:p>
-        </p:txBody>
-      </p:sp>
-      <p:sp>
-        <p:nvSpPr>
-          <p:cNvPr id="805628236" name="Foliennummernplatzhalter 4"/>
+              <a:t> 2 2025 group16</a:t>
+            </a:r>
+            <a:endParaRPr/>
+          </a:p>
+        </p:txBody>
+      </p:sp>
+      <p:sp>
+        <p:nvSpPr>
+          <p:cNvPr id="435122793" name="Foliennummernplatzhalter 4"/>
           <p:cNvSpPr>
             <a:spLocks noGrp="1"/>
           </p:cNvSpPr>
@@ -8732,7 +8954,7 @@
       </p:grpSpPr>
       <p:sp>
         <p:nvSpPr>
-          <p:cNvPr id="1042763396" name="Titel 1"/>
+          <p:cNvPr id="599013165" name="Titel 1"/>
           <p:cNvSpPr>
             <a:spLocks noGrp="1"/>
           </p:cNvSpPr>
@@ -8758,7 +8980,7 @@
       </p:sp>
       <p:sp>
         <p:nvSpPr>
-          <p:cNvPr id="614163764" name="Inhaltsplatzhalter 2"/>
+          <p:cNvPr id="1474944182" name="Inhaltsplatzhalter 2"/>
           <p:cNvSpPr>
             <a:spLocks noGrp="1"/>
           </p:cNvSpPr>
@@ -8804,7 +9026,7 @@
       </p:sp>
       <p:sp>
         <p:nvSpPr>
-          <p:cNvPr id="1538320226" name="Fußzeilenplatzhalter 3"/>
+          <p:cNvPr id="900329129" name="Fußzeilenplatzhalter 3"/>
           <p:cNvSpPr>
             <a:spLocks noGrp="1"/>
           </p:cNvSpPr>
@@ -8821,20 +9043,38 @@
               <a:defRPr/>
             </a:pPr>
             <a:r>
-              <a:rPr lang="de-AT"/>
+              <a:rPr lang="de-AT" sz="1200" b="0" i="0" u="none" strike="noStrike" cap="none" spc="0">
+                <a:solidFill>
+                  <a:schemeClr val="tx1">
+                    <a:tint val="75000"/>
+                  </a:schemeClr>
+                </a:solidFill>
+                <a:latin typeface="+mn-lt"/>
+                <a:ea typeface="+mn-ea"/>
+                <a:cs typeface="+mn-cs"/>
+              </a:rPr>
               <a:t>InnoLab</a:t>
             </a:r>
             <a:r>
-              <a:rPr lang="de-AT"/>
-              <a:t> 2024/25 Gruppe 16</a:t>
-            </a:r>
-            <a:endParaRPr/>
-          </a:p>
-        </p:txBody>
-      </p:sp>
-      <p:sp>
-        <p:nvSpPr>
-          <p:cNvPr id="995715619" name="Foliennummernplatzhalter 4"/>
+              <a:rPr lang="de-AT" sz="1200" b="0" i="0" u="none" strike="noStrike" cap="none" spc="0">
+                <a:solidFill>
+                  <a:schemeClr val="tx1">
+                    <a:tint val="75000"/>
+                  </a:schemeClr>
+                </a:solidFill>
+                <a:latin typeface="+mn-lt"/>
+                <a:ea typeface="+mn-ea"/>
+                <a:cs typeface="+mn-cs"/>
+              </a:rPr>
+              <a:t> 2 2025 group16</a:t>
+            </a:r>
+            <a:endParaRPr sz="1200"/>
+          </a:p>
+        </p:txBody>
+      </p:sp>
+      <p:sp>
+        <p:nvSpPr>
+          <p:cNvPr id="179901423" name="Foliennummernplatzhalter 4"/>
           <p:cNvSpPr>
             <a:spLocks noGrp="1"/>
           </p:cNvSpPr>
@@ -8893,7 +9133,7 @@
       </p:grpSpPr>
       <p:sp>
         <p:nvSpPr>
-          <p:cNvPr id="557210324" name="Titel 1"/>
+          <p:cNvPr id="1839338831" name="Titel 1"/>
           <p:cNvSpPr>
             <a:spLocks noGrp="1"/>
           </p:cNvSpPr>
@@ -8919,7 +9159,7 @@
       </p:sp>
       <p:sp>
         <p:nvSpPr>
-          <p:cNvPr id="236318306" name="Inhaltsplatzhalter 2"/>
+          <p:cNvPr id="265712885" name="Inhaltsplatzhalter 2"/>
           <p:cNvSpPr>
             <a:spLocks noGrp="1"/>
           </p:cNvSpPr>
@@ -9021,7 +9261,7 @@
       </p:sp>
       <p:sp>
         <p:nvSpPr>
-          <p:cNvPr id="365377886" name="Fußzeilenplatzhalter 3"/>
+          <p:cNvPr id="101359156" name="Fußzeilenplatzhalter 3"/>
           <p:cNvSpPr>
             <a:spLocks noGrp="1"/>
           </p:cNvSpPr>
@@ -9038,20 +9278,38 @@
               <a:defRPr/>
             </a:pPr>
             <a:r>
-              <a:rPr lang="de-AT"/>
+              <a:rPr lang="de-AT" sz="1200" b="0" i="0" u="none" strike="noStrike" cap="none" spc="0">
+                <a:solidFill>
+                  <a:schemeClr val="tx1">
+                    <a:tint val="75000"/>
+                  </a:schemeClr>
+                </a:solidFill>
+                <a:latin typeface="Calibri"/>
+                <a:ea typeface="Arial"/>
+                <a:cs typeface="Arial"/>
+              </a:rPr>
               <a:t>InnoLab</a:t>
             </a:r>
             <a:r>
-              <a:rPr lang="de-AT"/>
-              <a:t> 2024/25 Gruppe 16</a:t>
-            </a:r>
-            <a:endParaRPr/>
-          </a:p>
-        </p:txBody>
-      </p:sp>
-      <p:sp>
-        <p:nvSpPr>
-          <p:cNvPr id="1525118765" name="Foliennummernplatzhalter 4"/>
+              <a:rPr lang="de-AT" sz="1200" b="0" i="0" u="none" strike="noStrike" cap="none" spc="0">
+                <a:solidFill>
+                  <a:schemeClr val="tx1">
+                    <a:tint val="75000"/>
+                  </a:schemeClr>
+                </a:solidFill>
+                <a:latin typeface="Calibri"/>
+                <a:ea typeface="Arial"/>
+                <a:cs typeface="Arial"/>
+              </a:rPr>
+              <a:t> 2 2025 group16</a:t>
+            </a:r>
+            <a:endParaRPr/>
+          </a:p>
+        </p:txBody>
+      </p:sp>
+      <p:sp>
+        <p:nvSpPr>
+          <p:cNvPr id="1952354149" name="Foliennummernplatzhalter 4"/>
           <p:cNvSpPr>
             <a:spLocks noGrp="1"/>
           </p:cNvSpPr>
@@ -9077,7 +9335,7 @@
       </p:sp>
       <p:pic>
         <p:nvPicPr>
-          <p:cNvPr id="292264769" name="Picture 2" descr="300+ kostenlose Häkchen-Symbole &amp; Haken-Bilder - Pixabay"/>
+          <p:cNvPr id="711049819" name="Picture 2" descr="300+ kostenlose Häkchen-Symbole &amp; Haken-Bilder - Pixabay"/>
           <p:cNvPicPr>
             <a:picLocks noChangeAspect="1" noChangeArrowheads="1"/>
           </p:cNvPicPr>
@@ -9100,7 +9358,7 @@
       </p:pic>
       <p:pic>
         <p:nvPicPr>
-          <p:cNvPr id="2142377741" name="Picture 2" descr="300+ kostenlose Häkchen-Symbole &amp; Haken-Bilder - Pixabay"/>
+          <p:cNvPr id="183388901" name="Picture 2" descr="300+ kostenlose Häkchen-Symbole &amp; Haken-Bilder - Pixabay"/>
           <p:cNvPicPr>
             <a:picLocks noChangeAspect="1" noChangeArrowheads="1"/>
           </p:cNvPicPr>
@@ -9156,7 +9414,7 @@
       </p:grpSpPr>
       <p:sp>
         <p:nvSpPr>
-          <p:cNvPr id="2027420220" name="Titel 1"/>
+          <p:cNvPr id="2024033700" name="Titel 1"/>
           <p:cNvSpPr>
             <a:spLocks noGrp="1"/>
           </p:cNvSpPr>
@@ -9182,7 +9440,7 @@
       </p:sp>
       <p:sp>
         <p:nvSpPr>
-          <p:cNvPr id="774612683" name="Inhaltsplatzhalter 2"/>
+          <p:cNvPr id="907417628" name="Inhaltsplatzhalter 2"/>
           <p:cNvSpPr>
             <a:spLocks noGrp="1"/>
           </p:cNvSpPr>
@@ -9300,7 +9558,7 @@
       </p:sp>
       <p:sp>
         <p:nvSpPr>
-          <p:cNvPr id="814543248" name="Fußzeilenplatzhalter 3"/>
+          <p:cNvPr id="399632410" name="Fußzeilenplatzhalter 3"/>
           <p:cNvSpPr>
             <a:spLocks noGrp="1"/>
           </p:cNvSpPr>
@@ -9317,20 +9575,38 @@
               <a:defRPr/>
             </a:pPr>
             <a:r>
-              <a:rPr lang="de-AT"/>
+              <a:rPr lang="de-AT" sz="1200" b="0" i="0" u="none" strike="noStrike" cap="none" spc="0">
+                <a:solidFill>
+                  <a:schemeClr val="tx1">
+                    <a:tint val="75000"/>
+                  </a:schemeClr>
+                </a:solidFill>
+                <a:latin typeface="Calibri"/>
+                <a:ea typeface="Arial"/>
+                <a:cs typeface="Arial"/>
+              </a:rPr>
               <a:t>InnoLab</a:t>
             </a:r>
             <a:r>
-              <a:rPr lang="de-AT"/>
-              <a:t> 2024/25 Gruppe 16</a:t>
-            </a:r>
-            <a:endParaRPr/>
-          </a:p>
-        </p:txBody>
-      </p:sp>
-      <p:sp>
-        <p:nvSpPr>
-          <p:cNvPr id="1980737488" name="Foliennummernplatzhalter 4"/>
+              <a:rPr lang="de-AT" sz="1200" b="0" i="0" u="none" strike="noStrike" cap="none" spc="0">
+                <a:solidFill>
+                  <a:schemeClr val="tx1">
+                    <a:tint val="75000"/>
+                  </a:schemeClr>
+                </a:solidFill>
+                <a:latin typeface="Calibri"/>
+                <a:ea typeface="Arial"/>
+                <a:cs typeface="Arial"/>
+              </a:rPr>
+              <a:t> 2 2025 group16</a:t>
+            </a:r>
+            <a:endParaRPr/>
+          </a:p>
+        </p:txBody>
+      </p:sp>
+      <p:sp>
+        <p:nvSpPr>
+          <p:cNvPr id="1656894704" name="Foliennummernplatzhalter 4"/>
           <p:cNvSpPr>
             <a:spLocks noGrp="1"/>
           </p:cNvSpPr>
@@ -9356,7 +9632,7 @@
       </p:sp>
       <p:pic>
         <p:nvPicPr>
-          <p:cNvPr id="473180803" name="Picture 2" descr="300+ kostenlose Häkchen-Symbole &amp; Haken-Bilder - Pixabay"/>
+          <p:cNvPr id="1832762605" name="Picture 2" descr="300+ kostenlose Häkchen-Symbole &amp; Haken-Bilder - Pixabay"/>
           <p:cNvPicPr>
             <a:picLocks noChangeAspect="1" noChangeArrowheads="1"/>
           </p:cNvPicPr>
@@ -9379,7 +9655,7 @@
       </p:pic>
       <p:pic>
         <p:nvPicPr>
-          <p:cNvPr id="203227686" name="Picture 2" descr="300+ kostenlose Häkchen-Symbole &amp; Haken-Bilder - Pixabay"/>
+          <p:cNvPr id="178497176" name="Picture 2" descr="300+ kostenlose Häkchen-Symbole &amp; Haken-Bilder - Pixabay"/>
           <p:cNvPicPr>
             <a:picLocks noChangeAspect="1" noChangeArrowheads="1"/>
           </p:cNvPicPr>
@@ -9402,7 +9678,7 @@
       </p:pic>
       <p:pic>
         <p:nvPicPr>
-          <p:cNvPr id="558256258" name="Picture 2" descr="300+ kostenlose Häkchen-Symbole &amp; Haken-Bilder - Pixabay"/>
+          <p:cNvPr id="981619312" name="Picture 2" descr="300+ kostenlose Häkchen-Symbole &amp; Haken-Bilder - Pixabay"/>
           <p:cNvPicPr>
             <a:picLocks noChangeAspect="1" noChangeArrowheads="1"/>
           </p:cNvPicPr>
@@ -9425,7 +9701,7 @@
       </p:pic>
       <p:pic>
         <p:nvPicPr>
-          <p:cNvPr id="2142729559" name="Picture 2" descr="300+ kostenlose Häkchen-Symbole &amp; Haken-Bilder - Pixabay"/>
+          <p:cNvPr id="1432676556" name="Picture 2" descr="300+ kostenlose Häkchen-Symbole &amp; Haken-Bilder - Pixabay"/>
           <p:cNvPicPr>
             <a:picLocks noChangeAspect="1" noChangeArrowheads="1"/>
           </p:cNvPicPr>
@@ -9448,7 +9724,7 @@
       </p:pic>
       <p:pic>
         <p:nvPicPr>
-          <p:cNvPr id="1445243304" name="Picture 2" descr="300+ kostenlose Häkchen-Symbole &amp; Haken-Bilder - Pixabay"/>
+          <p:cNvPr id="1809534425" name="Picture 2" descr="300+ kostenlose Häkchen-Symbole &amp; Haken-Bilder - Pixabay"/>
           <p:cNvPicPr>
             <a:picLocks noChangeAspect="1" noChangeArrowheads="1"/>
           </p:cNvPicPr>
@@ -9504,7 +9780,7 @@
       </p:grpSpPr>
       <p:sp>
         <p:nvSpPr>
-          <p:cNvPr id="1104007514" name="Titel 1"/>
+          <p:cNvPr id="1056842687" name="Titel 1"/>
           <p:cNvSpPr>
             <a:spLocks noGrp="1"/>
           </p:cNvSpPr>
@@ -9530,7 +9806,7 @@
       </p:sp>
       <p:sp>
         <p:nvSpPr>
-          <p:cNvPr id="110123584" name="Inhaltsplatzhalter 2"/>
+          <p:cNvPr id="1336619508" name="Inhaltsplatzhalter 2"/>
           <p:cNvSpPr>
             <a:spLocks noGrp="1"/>
           </p:cNvSpPr>
@@ -9576,7 +9852,7 @@
       </p:sp>
       <p:sp>
         <p:nvSpPr>
-          <p:cNvPr id="1679849103" name="Fußzeilenplatzhalter 3"/>
+          <p:cNvPr id="527666126" name="Fußzeilenplatzhalter 3"/>
           <p:cNvSpPr>
             <a:spLocks noGrp="1"/>
           </p:cNvSpPr>
@@ -9593,20 +9869,38 @@
               <a:defRPr/>
             </a:pPr>
             <a:r>
-              <a:rPr lang="de-AT"/>
+              <a:rPr lang="de-AT" sz="1200" b="0" i="0" u="none" strike="noStrike" cap="none" spc="0">
+                <a:solidFill>
+                  <a:schemeClr val="tx1">
+                    <a:tint val="75000"/>
+                  </a:schemeClr>
+                </a:solidFill>
+                <a:latin typeface="Calibri"/>
+                <a:ea typeface="Arial"/>
+                <a:cs typeface="Arial"/>
+              </a:rPr>
               <a:t>InnoLab</a:t>
             </a:r>
             <a:r>
-              <a:rPr lang="de-AT"/>
-              <a:t> 2024/25 Gruppe 16</a:t>
-            </a:r>
-            <a:endParaRPr/>
-          </a:p>
-        </p:txBody>
-      </p:sp>
-      <p:sp>
-        <p:nvSpPr>
-          <p:cNvPr id="117479161" name="Foliennummernplatzhalter 4"/>
+              <a:rPr lang="de-AT" sz="1200" b="0" i="0" u="none" strike="noStrike" cap="none" spc="0">
+                <a:solidFill>
+                  <a:schemeClr val="tx1">
+                    <a:tint val="75000"/>
+                  </a:schemeClr>
+                </a:solidFill>
+                <a:latin typeface="Calibri"/>
+                <a:ea typeface="Arial"/>
+                <a:cs typeface="Arial"/>
+              </a:rPr>
+              <a:t> 2 2025 group16</a:t>
+            </a:r>
+            <a:endParaRPr/>
+          </a:p>
+        </p:txBody>
+      </p:sp>
+      <p:sp>
+        <p:nvSpPr>
+          <p:cNvPr id="636287597" name="Foliennummernplatzhalter 4"/>
           <p:cNvSpPr>
             <a:spLocks noGrp="1"/>
           </p:cNvSpPr>
@@ -9665,7 +9959,7 @@
       </p:grpSpPr>
       <p:sp>
         <p:nvSpPr>
-          <p:cNvPr id="263112824" name="Titel 1"/>
+          <p:cNvPr id="2000898749" name="Titel 1"/>
           <p:cNvSpPr>
             <a:spLocks noGrp="1"/>
           </p:cNvSpPr>
@@ -9691,7 +9985,7 @@
       </p:sp>
       <p:sp>
         <p:nvSpPr>
-          <p:cNvPr id="816982430" name="Inhaltsplatzhalter 2"/>
+          <p:cNvPr id="174154259" name="Inhaltsplatzhalter 2"/>
           <p:cNvSpPr>
             <a:spLocks noGrp="1"/>
           </p:cNvSpPr>
@@ -9773,7 +10067,7 @@
       </p:sp>
       <p:sp>
         <p:nvSpPr>
-          <p:cNvPr id="152790844" name="Fußzeilenplatzhalter 3"/>
+          <p:cNvPr id="127833311" name="Fußzeilenplatzhalter 3"/>
           <p:cNvSpPr>
             <a:spLocks noGrp="1"/>
           </p:cNvSpPr>
@@ -9790,20 +10084,38 @@
               <a:defRPr/>
             </a:pPr>
             <a:r>
-              <a:rPr lang="de-AT"/>
+              <a:rPr lang="de-AT" sz="1200" b="0" i="0" u="none" strike="noStrike" cap="none" spc="0">
+                <a:solidFill>
+                  <a:schemeClr val="tx1">
+                    <a:tint val="75000"/>
+                  </a:schemeClr>
+                </a:solidFill>
+                <a:latin typeface="Calibri"/>
+                <a:ea typeface="Arial"/>
+                <a:cs typeface="Arial"/>
+              </a:rPr>
               <a:t>InnoLab</a:t>
             </a:r>
             <a:r>
-              <a:rPr lang="de-AT"/>
-              <a:t> 2024/25 Gruppe 16</a:t>
-            </a:r>
-            <a:endParaRPr/>
-          </a:p>
-        </p:txBody>
-      </p:sp>
-      <p:sp>
-        <p:nvSpPr>
-          <p:cNvPr id="1177495558" name="Foliennummernplatzhalter 4"/>
+              <a:rPr lang="de-AT" sz="1200" b="0" i="0" u="none" strike="noStrike" cap="none" spc="0">
+                <a:solidFill>
+                  <a:schemeClr val="tx1">
+                    <a:tint val="75000"/>
+                  </a:schemeClr>
+                </a:solidFill>
+                <a:latin typeface="Calibri"/>
+                <a:ea typeface="Arial"/>
+                <a:cs typeface="Arial"/>
+              </a:rPr>
+              <a:t> 2 2025 group16</a:t>
+            </a:r>
+            <a:endParaRPr/>
+          </a:p>
+        </p:txBody>
+      </p:sp>
+      <p:sp>
+        <p:nvSpPr>
+          <p:cNvPr id="194310752" name="Foliennummernplatzhalter 4"/>
           <p:cNvSpPr>
             <a:spLocks noGrp="1"/>
           </p:cNvSpPr>
@@ -9862,7 +10174,7 @@
       </p:grpSpPr>
       <p:sp>
         <p:nvSpPr>
-          <p:cNvPr id="38259735" name="Titel 1"/>
+          <p:cNvPr id="446991454" name="Titel 1"/>
           <p:cNvSpPr>
             <a:spLocks noGrp="1"/>
           </p:cNvSpPr>
@@ -9888,7 +10200,7 @@
       </p:sp>
       <p:sp>
         <p:nvSpPr>
-          <p:cNvPr id="482048384" name="Inhaltsplatzhalter 2"/>
+          <p:cNvPr id="1656365881" name="Inhaltsplatzhalter 2"/>
           <p:cNvSpPr>
             <a:spLocks noGrp="1"/>
           </p:cNvSpPr>
@@ -9970,7 +10282,7 @@
       </p:sp>
       <p:sp>
         <p:nvSpPr>
-          <p:cNvPr id="526424640" name="Fußzeilenplatzhalter 3"/>
+          <p:cNvPr id="1742033382" name="Fußzeilenplatzhalter 3"/>
           <p:cNvSpPr>
             <a:spLocks noGrp="1"/>
           </p:cNvSpPr>
@@ -9987,20 +10299,38 @@
               <a:defRPr/>
             </a:pPr>
             <a:r>
-              <a:rPr lang="de-AT"/>
+              <a:rPr lang="de-AT" sz="1200" b="0" i="0" u="none" strike="noStrike" cap="none" spc="0">
+                <a:solidFill>
+                  <a:schemeClr val="tx1">
+                    <a:tint val="75000"/>
+                  </a:schemeClr>
+                </a:solidFill>
+                <a:latin typeface="Calibri"/>
+                <a:ea typeface="Arial"/>
+                <a:cs typeface="Arial"/>
+              </a:rPr>
               <a:t>InnoLab</a:t>
             </a:r>
             <a:r>
-              <a:rPr lang="de-AT"/>
-              <a:t> 2024/25 Gruppe 16</a:t>
-            </a:r>
-            <a:endParaRPr/>
-          </a:p>
-        </p:txBody>
-      </p:sp>
-      <p:sp>
-        <p:nvSpPr>
-          <p:cNvPr id="882958694" name="Foliennummernplatzhalter 4"/>
+              <a:rPr lang="de-AT" sz="1200" b="0" i="0" u="none" strike="noStrike" cap="none" spc="0">
+                <a:solidFill>
+                  <a:schemeClr val="tx1">
+                    <a:tint val="75000"/>
+                  </a:schemeClr>
+                </a:solidFill>
+                <a:latin typeface="Calibri"/>
+                <a:ea typeface="Arial"/>
+                <a:cs typeface="Arial"/>
+              </a:rPr>
+              <a:t> 2 2025 group16</a:t>
+            </a:r>
+            <a:endParaRPr/>
+          </a:p>
+        </p:txBody>
+      </p:sp>
+      <p:sp>
+        <p:nvSpPr>
+          <p:cNvPr id="578128635" name="Foliennummernplatzhalter 4"/>
           <p:cNvSpPr>
             <a:spLocks noGrp="1"/>
           </p:cNvSpPr>
@@ -10059,7 +10389,7 @@
       </p:grpSpPr>
       <p:sp>
         <p:nvSpPr>
-          <p:cNvPr id="408508650" name="Titel 1"/>
+          <p:cNvPr id="898199605" name="Titel 1"/>
           <p:cNvSpPr>
             <a:spLocks noGrp="1"/>
           </p:cNvSpPr>
@@ -10085,7 +10415,7 @@
       </p:sp>
       <p:sp>
         <p:nvSpPr>
-          <p:cNvPr id="945180935" name="Inhaltsplatzhalter 2"/>
+          <p:cNvPr id="2080096876" name="Inhaltsplatzhalter 2"/>
           <p:cNvSpPr>
             <a:spLocks noGrp="1"/>
           </p:cNvSpPr>
@@ -10193,7 +10523,7 @@
       </p:sp>
       <p:sp>
         <p:nvSpPr>
-          <p:cNvPr id="1229695854" name="Fußzeilenplatzhalter 3"/>
+          <p:cNvPr id="81332828" name="Fußzeilenplatzhalter 3"/>
           <p:cNvSpPr>
             <a:spLocks noGrp="1"/>
           </p:cNvSpPr>
@@ -10210,20 +10540,38 @@
               <a:defRPr/>
             </a:pPr>
             <a:r>
-              <a:rPr lang="de-AT"/>
+              <a:rPr lang="de-AT" sz="1200" b="0" i="0" u="none" strike="noStrike" cap="none" spc="0">
+                <a:solidFill>
+                  <a:schemeClr val="tx1">
+                    <a:tint val="75000"/>
+                  </a:schemeClr>
+                </a:solidFill>
+                <a:latin typeface="Calibri"/>
+                <a:ea typeface="Arial"/>
+                <a:cs typeface="Arial"/>
+              </a:rPr>
               <a:t>InnoLab</a:t>
             </a:r>
             <a:r>
-              <a:rPr lang="de-AT"/>
-              <a:t> 2024/25 Gruppe 16</a:t>
-            </a:r>
-            <a:endParaRPr/>
-          </a:p>
-        </p:txBody>
-      </p:sp>
-      <p:sp>
-        <p:nvSpPr>
-          <p:cNvPr id="1711108465" name="Foliennummernplatzhalter 4"/>
+              <a:rPr lang="de-AT" sz="1200" b="0" i="0" u="none" strike="noStrike" cap="none" spc="0">
+                <a:solidFill>
+                  <a:schemeClr val="tx1">
+                    <a:tint val="75000"/>
+                  </a:schemeClr>
+                </a:solidFill>
+                <a:latin typeface="Calibri"/>
+                <a:ea typeface="Arial"/>
+                <a:cs typeface="Arial"/>
+              </a:rPr>
+              <a:t> 2 2025 group16</a:t>
+            </a:r>
+            <a:endParaRPr/>
+          </a:p>
+        </p:txBody>
+      </p:sp>
+      <p:sp>
+        <p:nvSpPr>
+          <p:cNvPr id="1039634360" name="Foliennummernplatzhalter 4"/>
           <p:cNvSpPr>
             <a:spLocks noGrp="1"/>
           </p:cNvSpPr>
